--- a/Unity1week企画.pptx
+++ b/Unity1week企画.pptx
@@ -25,6 +25,7 @@
     <p:sldId id="274" r:id="rId19"/>
     <p:sldId id="275" r:id="rId20"/>
     <p:sldId id="276" r:id="rId21"/>
+    <p:sldId id="277" r:id="rId22"/>
   </p:sldIdLst>
   <p:sldSz cx="12192000" cy="6858000"/>
   <p:notesSz cx="6858000" cy="9144000"/>
@@ -289,7 +290,7 @@
           <a:p>
             <a:fld id="{ADD8B1C5-9959-4BD7-95A7-9D0118CD9ACF}" type="datetimeFigureOut">
               <a:rPr kumimoji="1" lang="ja-JP" altLang="en-US" smtClean="0"/>
-              <a:t>2019/10/15</a:t>
+              <a:t>2019/10/18</a:t>
             </a:fld>
             <a:endParaRPr kumimoji="1" lang="ja-JP" altLang="en-US"/>
           </a:p>
@@ -519,7 +520,7 @@
           <a:p>
             <a:fld id="{ADD8B1C5-9959-4BD7-95A7-9D0118CD9ACF}" type="datetimeFigureOut">
               <a:rPr kumimoji="1" lang="ja-JP" altLang="en-US" smtClean="0"/>
-              <a:t>2019/10/15</a:t>
+              <a:t>2019/10/18</a:t>
             </a:fld>
             <a:endParaRPr kumimoji="1" lang="ja-JP" altLang="en-US"/>
           </a:p>
@@ -759,7 +760,7 @@
           <a:p>
             <a:fld id="{ADD8B1C5-9959-4BD7-95A7-9D0118CD9ACF}" type="datetimeFigureOut">
               <a:rPr kumimoji="1" lang="ja-JP" altLang="en-US" smtClean="0"/>
-              <a:t>2019/10/15</a:t>
+              <a:t>2019/10/18</a:t>
             </a:fld>
             <a:endParaRPr kumimoji="1" lang="ja-JP" altLang="en-US"/>
           </a:p>
@@ -989,7 +990,7 @@
           <a:p>
             <a:fld id="{ADD8B1C5-9959-4BD7-95A7-9D0118CD9ACF}" type="datetimeFigureOut">
               <a:rPr kumimoji="1" lang="ja-JP" altLang="en-US" smtClean="0"/>
-              <a:t>2019/10/15</a:t>
+              <a:t>2019/10/18</a:t>
             </a:fld>
             <a:endParaRPr kumimoji="1" lang="ja-JP" altLang="en-US"/>
           </a:p>
@@ -1264,7 +1265,7 @@
           <a:p>
             <a:fld id="{ADD8B1C5-9959-4BD7-95A7-9D0118CD9ACF}" type="datetimeFigureOut">
               <a:rPr kumimoji="1" lang="ja-JP" altLang="en-US" smtClean="0"/>
-              <a:t>2019/10/15</a:t>
+              <a:t>2019/10/18</a:t>
             </a:fld>
             <a:endParaRPr kumimoji="1" lang="ja-JP" altLang="en-US"/>
           </a:p>
@@ -1593,7 +1594,7 @@
           <a:p>
             <a:fld id="{ADD8B1C5-9959-4BD7-95A7-9D0118CD9ACF}" type="datetimeFigureOut">
               <a:rPr kumimoji="1" lang="ja-JP" altLang="en-US" smtClean="0"/>
-              <a:t>2019/10/15</a:t>
+              <a:t>2019/10/18</a:t>
             </a:fld>
             <a:endParaRPr kumimoji="1" lang="ja-JP" altLang="en-US"/>
           </a:p>
@@ -2069,7 +2070,7 @@
           <a:p>
             <a:fld id="{ADD8B1C5-9959-4BD7-95A7-9D0118CD9ACF}" type="datetimeFigureOut">
               <a:rPr kumimoji="1" lang="ja-JP" altLang="en-US" smtClean="0"/>
-              <a:t>2019/10/15</a:t>
+              <a:t>2019/10/18</a:t>
             </a:fld>
             <a:endParaRPr kumimoji="1" lang="ja-JP" altLang="en-US"/>
           </a:p>
@@ -2210,7 +2211,7 @@
           <a:p>
             <a:fld id="{ADD8B1C5-9959-4BD7-95A7-9D0118CD9ACF}" type="datetimeFigureOut">
               <a:rPr kumimoji="1" lang="ja-JP" altLang="en-US" smtClean="0"/>
-              <a:t>2019/10/15</a:t>
+              <a:t>2019/10/18</a:t>
             </a:fld>
             <a:endParaRPr kumimoji="1" lang="ja-JP" altLang="en-US"/>
           </a:p>
@@ -2323,7 +2324,7 @@
           <a:p>
             <a:fld id="{ADD8B1C5-9959-4BD7-95A7-9D0118CD9ACF}" type="datetimeFigureOut">
               <a:rPr kumimoji="1" lang="ja-JP" altLang="en-US" smtClean="0"/>
-              <a:t>2019/10/15</a:t>
+              <a:t>2019/10/18</a:t>
             </a:fld>
             <a:endParaRPr kumimoji="1" lang="ja-JP" altLang="en-US"/>
           </a:p>
@@ -2666,7 +2667,7 @@
           <a:p>
             <a:fld id="{ADD8B1C5-9959-4BD7-95A7-9D0118CD9ACF}" type="datetimeFigureOut">
               <a:rPr kumimoji="1" lang="ja-JP" altLang="en-US" smtClean="0"/>
-              <a:t>2019/10/15</a:t>
+              <a:t>2019/10/18</a:t>
             </a:fld>
             <a:endParaRPr kumimoji="1" lang="ja-JP" altLang="en-US"/>
           </a:p>
@@ -2954,7 +2955,7 @@
           <a:p>
             <a:fld id="{ADD8B1C5-9959-4BD7-95A7-9D0118CD9ACF}" type="datetimeFigureOut">
               <a:rPr kumimoji="1" lang="ja-JP" altLang="en-US" smtClean="0"/>
-              <a:t>2019/10/15</a:t>
+              <a:t>2019/10/18</a:t>
             </a:fld>
             <a:endParaRPr kumimoji="1" lang="ja-JP" altLang="en-US"/>
           </a:p>
@@ -3227,7 +3228,7 @@
           <a:p>
             <a:fld id="{ADD8B1C5-9959-4BD7-95A7-9D0118CD9ACF}" type="datetimeFigureOut">
               <a:rPr kumimoji="1" lang="ja-JP" altLang="en-US" smtClean="0"/>
-              <a:t>2019/10/15</a:t>
+              <a:t>2019/10/18</a:t>
             </a:fld>
             <a:endParaRPr kumimoji="1" lang="ja-JP" altLang="en-US"/>
           </a:p>
@@ -13882,6 +13883,18 @@
           <a:lstStyle/>
           <a:p>
             <a:r>
+              <a:rPr kumimoji="1" lang="en-US" altLang="ja-JP" dirty="0"/>
+              <a:t>\</a:t>
+            </a:r>
+            <a:r>
+              <a:rPr kumimoji="1" lang="ja-JP" altLang="en-US" dirty="0"/>
+              <a:t>優先度高</a:t>
+            </a:r>
+            <a:endParaRPr kumimoji="1" lang="en-US" altLang="ja-JP" dirty="0"/>
+          </a:p>
+          <a:p>
+            <a:pPr lvl="1"/>
+            <a:r>
               <a:rPr kumimoji="1" lang="ja-JP" altLang="en-US" dirty="0"/>
               <a:t>隠し部屋当てるフェイズ</a:t>
             </a:r>
@@ -13899,6 +13912,7 @@
             </a:r>
           </a:p>
           <a:p>
+            <a:pPr lvl="1"/>
             <a:r>
               <a:rPr lang="ja-JP" altLang="en-US" dirty="0"/>
               <a:t>ゾンビ戦闘 </a:t>
@@ -13917,6 +13931,7 @@
             </a:r>
           </a:p>
           <a:p>
+            <a:pPr lvl="1"/>
             <a:r>
               <a:rPr kumimoji="1" lang="ja-JP" altLang="en-US" dirty="0"/>
               <a:t>制限時間</a:t>
@@ -13931,6 +13946,39 @@
             </a:r>
             <a:r>
               <a:rPr kumimoji="1" lang="en-US" altLang="ja-JP" dirty="0"/>
+              <a:t>)</a:t>
+            </a:r>
+          </a:p>
+          <a:p>
+            <a:endParaRPr lang="en-US" altLang="ja-JP" dirty="0"/>
+          </a:p>
+          <a:p>
+            <a:r>
+              <a:rPr lang="en-US" altLang="ja-JP" dirty="0"/>
+              <a:t>\</a:t>
+            </a:r>
+            <a:r>
+              <a:rPr lang="ja-JP" altLang="en-US" dirty="0"/>
+              <a:t>優先度低</a:t>
+            </a:r>
+            <a:endParaRPr lang="en-US" altLang="ja-JP" dirty="0"/>
+          </a:p>
+          <a:p>
+            <a:pPr lvl="1"/>
+            <a:r>
+              <a:rPr lang="ja-JP" altLang="en-US" dirty="0"/>
+              <a:t>探索に何かインタラクティブなやつ</a:t>
+            </a:r>
+            <a:r>
+              <a:rPr lang="en-US" altLang="ja-JP" dirty="0"/>
+              <a:t>(</a:t>
+            </a:r>
+            <a:r>
+              <a:rPr lang="ja-JP" altLang="en-US" dirty="0"/>
+              <a:t>怪しいところタップとか</a:t>
+            </a:r>
+            <a:r>
+              <a:rPr lang="en-US" altLang="ja-JP" dirty="0"/>
               <a:t>)</a:t>
             </a:r>
           </a:p>
@@ -13949,6 +13997,86 @@
     <p:extLst>
       <p:ext uri="{BB962C8B-B14F-4D97-AF65-F5344CB8AC3E}">
         <p14:creationId xmlns:p14="http://schemas.microsoft.com/office/powerpoint/2010/main" val="891691514"/>
+      </p:ext>
+    </p:extLst>
+  </p:cSld>
+  <p:clrMapOvr>
+    <a:masterClrMapping/>
+  </p:clrMapOvr>
+</p:sld>
+</file>
+
+<file path=ppt/slides/slide21.xml><?xml version="1.0" encoding="utf-8"?>
+<p:sld xmlns:a="http://schemas.openxmlformats.org/drawingml/2006/main" xmlns:r="http://schemas.openxmlformats.org/officeDocument/2006/relationships" xmlns:p="http://schemas.openxmlformats.org/presentationml/2006/main">
+  <p:cSld>
+    <p:spTree>
+      <p:nvGrpSpPr>
+        <p:cNvPr id="1" name=""/>
+        <p:cNvGrpSpPr/>
+        <p:nvPr/>
+      </p:nvGrpSpPr>
+      <p:grpSpPr>
+        <a:xfrm>
+          <a:off x="0" y="0"/>
+          <a:ext cx="0" cy="0"/>
+          <a:chOff x="0" y="0"/>
+          <a:chExt cx="0" cy="0"/>
+        </a:xfrm>
+      </p:grpSpPr>
+      <p:sp>
+        <p:nvSpPr>
+          <p:cNvPr id="2" name="タイトル 1">
+            <a:extLst>
+              <a:ext uri="{FF2B5EF4-FFF2-40B4-BE49-F238E27FC236}">
+                <a16:creationId xmlns:a16="http://schemas.microsoft.com/office/drawing/2014/main" id="{11E56195-F15A-41F2-9D55-7C4D6912F117}"/>
+              </a:ext>
+            </a:extLst>
+          </p:cNvPr>
+          <p:cNvSpPr>
+            <a:spLocks noGrp="1"/>
+          </p:cNvSpPr>
+          <p:nvPr>
+            <p:ph type="title"/>
+          </p:nvPr>
+        </p:nvSpPr>
+        <p:spPr/>
+        <p:txBody>
+          <a:bodyPr/>
+          <a:lstStyle/>
+          <a:p>
+            <a:endParaRPr kumimoji="1" lang="ja-JP" altLang="en-US"/>
+          </a:p>
+        </p:txBody>
+      </p:sp>
+      <p:sp>
+        <p:nvSpPr>
+          <p:cNvPr id="3" name="コンテンツ プレースホルダー 2">
+            <a:extLst>
+              <a:ext uri="{FF2B5EF4-FFF2-40B4-BE49-F238E27FC236}">
+                <a16:creationId xmlns:a16="http://schemas.microsoft.com/office/drawing/2014/main" id="{0C8A85CA-C6A3-48B9-82A8-FD8FE0011545}"/>
+              </a:ext>
+            </a:extLst>
+          </p:cNvPr>
+          <p:cNvSpPr>
+            <a:spLocks noGrp="1"/>
+          </p:cNvSpPr>
+          <p:nvPr>
+            <p:ph idx="1"/>
+          </p:nvPr>
+        </p:nvSpPr>
+        <p:spPr/>
+        <p:txBody>
+          <a:bodyPr/>
+          <a:lstStyle/>
+          <a:p>
+            <a:endParaRPr kumimoji="1" lang="ja-JP" altLang="en-US"/>
+          </a:p>
+        </p:txBody>
+      </p:sp>
+    </p:spTree>
+    <p:extLst>
+      <p:ext uri="{BB962C8B-B14F-4D97-AF65-F5344CB8AC3E}">
+        <p14:creationId xmlns:p14="http://schemas.microsoft.com/office/powerpoint/2010/main" val="2735141158"/>
       </p:ext>
     </p:extLst>
   </p:cSld>

--- a/Unity1week企画.pptx
+++ b/Unity1week企画.pptx
@@ -13950,6 +13950,7 @@
             </a:r>
           </a:p>
           <a:p>
+            <a:pPr lvl="1"/>
             <a:endParaRPr lang="en-US" altLang="ja-JP" dirty="0"/>
           </a:p>
           <a:p>
@@ -13983,6 +13984,7 @@
             </a:r>
           </a:p>
           <a:p>
+            <a:pPr lvl="1"/>
             <a:endParaRPr kumimoji="1" lang="en-US" altLang="ja-JP" dirty="0"/>
           </a:p>
           <a:p>
@@ -14028,7 +14030,7 @@
           <p:cNvPr id="2" name="タイトル 1">
             <a:extLst>
               <a:ext uri="{FF2B5EF4-FFF2-40B4-BE49-F238E27FC236}">
-                <a16:creationId xmlns:a16="http://schemas.microsoft.com/office/drawing/2014/main" id="{11E56195-F15A-41F2-9D55-7C4D6912F117}"/>
+                <a16:creationId xmlns:a16="http://schemas.microsoft.com/office/drawing/2014/main" id="{20F6A9C5-B266-4F51-A044-345D7C6AE57D}"/>
               </a:ext>
             </a:extLst>
           </p:cNvPr>
@@ -14044,39 +14046,675 @@
           <a:bodyPr/>
           <a:lstStyle/>
           <a:p>
-            <a:endParaRPr kumimoji="1" lang="ja-JP" altLang="en-US"/>
+            <a:r>
+              <a:rPr lang="ja-JP" altLang="en-US" dirty="0"/>
+              <a:t>ノベルパート設定</a:t>
+            </a:r>
+            <a:endParaRPr kumimoji="1" lang="ja-JP" altLang="en-US" dirty="0"/>
           </a:p>
         </p:txBody>
       </p:sp>
       <p:sp>
         <p:nvSpPr>
-          <p:cNvPr id="3" name="コンテンツ プレースホルダー 2">
-            <a:extLst>
-              <a:ext uri="{FF2B5EF4-FFF2-40B4-BE49-F238E27FC236}">
-                <a16:creationId xmlns:a16="http://schemas.microsoft.com/office/drawing/2014/main" id="{0C8A85CA-C6A3-48B9-82A8-FD8FE0011545}"/>
-              </a:ext>
-            </a:extLst>
-          </p:cNvPr>
-          <p:cNvSpPr>
-            <a:spLocks noGrp="1"/>
-          </p:cNvSpPr>
-          <p:nvPr>
-            <p:ph idx="1"/>
-          </p:nvPr>
+          <p:cNvPr id="4" name="正方形/長方形 3">
+            <a:extLst>
+              <a:ext uri="{FF2B5EF4-FFF2-40B4-BE49-F238E27FC236}">
+                <a16:creationId xmlns:a16="http://schemas.microsoft.com/office/drawing/2014/main" id="{671D9D47-46E2-484E-93AC-EEAB8A805E02}"/>
+              </a:ext>
+            </a:extLst>
+          </p:cNvPr>
+          <p:cNvSpPr/>
+          <p:nvPr/>
         </p:nvSpPr>
-        <p:spPr/>
+        <p:spPr>
+          <a:xfrm>
+            <a:off x="2027583" y="2679590"/>
+            <a:ext cx="1590260" cy="826935"/>
+          </a:xfrm>
+          <a:prstGeom prst="rect">
+            <a:avLst/>
+          </a:prstGeom>
+        </p:spPr>
+        <p:style>
+          <a:lnRef idx="2">
+            <a:schemeClr val="accent1">
+              <a:shade val="50000"/>
+            </a:schemeClr>
+          </a:lnRef>
+          <a:fillRef idx="1">
+            <a:schemeClr val="accent1"/>
+          </a:fillRef>
+          <a:effectRef idx="0">
+            <a:schemeClr val="accent1"/>
+          </a:effectRef>
+          <a:fontRef idx="minor">
+            <a:schemeClr val="lt1"/>
+          </a:fontRef>
+        </p:style>
         <p:txBody>
-          <a:bodyPr/>
+          <a:bodyPr rtlCol="0" anchor="ctr"/>
           <a:lstStyle/>
           <a:p>
+            <a:pPr algn="ctr"/>
+            <a:r>
+              <a:rPr kumimoji="1" lang="en-US" altLang="ja-JP" dirty="0"/>
+              <a:t>textbox</a:t>
+            </a:r>
+            <a:endParaRPr kumimoji="1" lang="ja-JP" altLang="en-US" dirty="0"/>
+          </a:p>
+        </p:txBody>
+      </p:sp>
+      <p:cxnSp>
+        <p:nvCxnSpPr>
+          <p:cNvPr id="6" name="直線矢印コネクタ 5">
+            <a:extLst>
+              <a:ext uri="{FF2B5EF4-FFF2-40B4-BE49-F238E27FC236}">
+                <a16:creationId xmlns:a16="http://schemas.microsoft.com/office/drawing/2014/main" id="{6A72DEBE-72BA-4E86-9440-0E12D8C40A62}"/>
+              </a:ext>
+            </a:extLst>
+          </p:cNvPr>
+          <p:cNvCxnSpPr/>
+          <p:nvPr/>
+        </p:nvCxnSpPr>
+        <p:spPr>
+          <a:xfrm flipH="1">
+            <a:off x="3896139" y="2361537"/>
+            <a:ext cx="1192696" cy="588397"/>
+          </a:xfrm>
+          <a:prstGeom prst="straightConnector1">
+            <a:avLst/>
+          </a:prstGeom>
+          <a:ln>
+            <a:tailEnd type="triangle"/>
+          </a:ln>
+        </p:spPr>
+        <p:style>
+          <a:lnRef idx="1">
+            <a:schemeClr val="accent1"/>
+          </a:lnRef>
+          <a:fillRef idx="0">
+            <a:schemeClr val="accent1"/>
+          </a:fillRef>
+          <a:effectRef idx="0">
+            <a:schemeClr val="accent1"/>
+          </a:effectRef>
+          <a:fontRef idx="minor">
+            <a:schemeClr val="tx1"/>
+          </a:fontRef>
+        </p:style>
+      </p:cxnSp>
+      <p:sp>
+        <p:nvSpPr>
+          <p:cNvPr id="7" name="正方形/長方形 6">
+            <a:extLst>
+              <a:ext uri="{FF2B5EF4-FFF2-40B4-BE49-F238E27FC236}">
+                <a16:creationId xmlns:a16="http://schemas.microsoft.com/office/drawing/2014/main" id="{0D9A361F-1B04-4CE1-B2AA-4CEDF823B1C6}"/>
+              </a:ext>
+            </a:extLst>
+          </p:cNvPr>
+          <p:cNvSpPr/>
+          <p:nvPr/>
+        </p:nvSpPr>
+        <p:spPr>
+          <a:xfrm>
+            <a:off x="5367131" y="1940117"/>
+            <a:ext cx="1319916" cy="715618"/>
+          </a:xfrm>
+          <a:prstGeom prst="rect">
+            <a:avLst/>
+          </a:prstGeom>
+        </p:spPr>
+        <p:style>
+          <a:lnRef idx="2">
+            <a:schemeClr val="accent1">
+              <a:shade val="50000"/>
+            </a:schemeClr>
+          </a:lnRef>
+          <a:fillRef idx="1">
+            <a:schemeClr val="accent1"/>
+          </a:fillRef>
+          <a:effectRef idx="0">
+            <a:schemeClr val="accent1"/>
+          </a:effectRef>
+          <a:fontRef idx="minor">
+            <a:schemeClr val="lt1"/>
+          </a:fontRef>
+        </p:style>
+        <p:txBody>
+          <a:bodyPr rtlCol="0" anchor="ctr"/>
+          <a:lstStyle/>
+          <a:p>
+            <a:pPr algn="ctr"/>
+            <a:r>
+              <a:rPr kumimoji="1" lang="en-US" altLang="ja-JP" dirty="0"/>
+              <a:t>Game</a:t>
+            </a:r>
+            <a:br>
+              <a:rPr kumimoji="1" lang="en-US" altLang="ja-JP" dirty="0"/>
+            </a:br>
+            <a:r>
+              <a:rPr kumimoji="1" lang="en-US" altLang="ja-JP" dirty="0"/>
+              <a:t>manage</a:t>
+            </a:r>
+            <a:endParaRPr kumimoji="1" lang="ja-JP" altLang="en-US" dirty="0"/>
+          </a:p>
+        </p:txBody>
+      </p:sp>
+      <p:sp>
+        <p:nvSpPr>
+          <p:cNvPr id="8" name="正方形/長方形 7">
+            <a:extLst>
+              <a:ext uri="{FF2B5EF4-FFF2-40B4-BE49-F238E27FC236}">
+                <a16:creationId xmlns:a16="http://schemas.microsoft.com/office/drawing/2014/main" id="{0239D626-94FA-4C61-856B-3EED58956D0E}"/>
+              </a:ext>
+            </a:extLst>
+          </p:cNvPr>
+          <p:cNvSpPr/>
+          <p:nvPr/>
+        </p:nvSpPr>
+        <p:spPr>
+          <a:xfrm>
+            <a:off x="2258171" y="3593988"/>
+            <a:ext cx="914399" cy="588397"/>
+          </a:xfrm>
+          <a:prstGeom prst="rect">
+            <a:avLst/>
+          </a:prstGeom>
+        </p:spPr>
+        <p:style>
+          <a:lnRef idx="2">
+            <a:schemeClr val="accent1">
+              <a:shade val="50000"/>
+            </a:schemeClr>
+          </a:lnRef>
+          <a:fillRef idx="1">
+            <a:schemeClr val="accent1"/>
+          </a:fillRef>
+          <a:effectRef idx="0">
+            <a:schemeClr val="accent1"/>
+          </a:effectRef>
+          <a:fontRef idx="minor">
+            <a:schemeClr val="lt1"/>
+          </a:fontRef>
+        </p:style>
+        <p:txBody>
+          <a:bodyPr rtlCol="0" anchor="ctr"/>
+          <a:lstStyle/>
+          <a:p>
+            <a:pPr algn="ctr"/>
+            <a:r>
+              <a:rPr kumimoji="1" lang="en-US" altLang="ja-JP" dirty="0"/>
+              <a:t>Text</a:t>
+            </a:r>
+            <a:br>
+              <a:rPr kumimoji="1" lang="en-US" altLang="ja-JP" dirty="0"/>
+            </a:br>
+            <a:r>
+              <a:rPr kumimoji="1" lang="en-US" altLang="ja-JP" dirty="0"/>
+              <a:t>Asset</a:t>
+            </a:r>
+            <a:endParaRPr kumimoji="1" lang="ja-JP" altLang="en-US" dirty="0"/>
+          </a:p>
+        </p:txBody>
+      </p:sp>
+      <p:sp>
+        <p:nvSpPr>
+          <p:cNvPr id="9" name="正方形/長方形 8">
+            <a:extLst>
+              <a:ext uri="{FF2B5EF4-FFF2-40B4-BE49-F238E27FC236}">
+                <a16:creationId xmlns:a16="http://schemas.microsoft.com/office/drawing/2014/main" id="{399CB4E3-3067-4DB2-B2A2-B57FBC71E190}"/>
+              </a:ext>
+            </a:extLst>
+          </p:cNvPr>
+          <p:cNvSpPr/>
+          <p:nvPr/>
+        </p:nvSpPr>
+        <p:spPr>
+          <a:xfrm>
+            <a:off x="5638800" y="2798858"/>
+            <a:ext cx="914399" cy="588397"/>
+          </a:xfrm>
+          <a:prstGeom prst="rect">
+            <a:avLst/>
+          </a:prstGeom>
+        </p:spPr>
+        <p:style>
+          <a:lnRef idx="2">
+            <a:schemeClr val="accent1">
+              <a:shade val="50000"/>
+            </a:schemeClr>
+          </a:lnRef>
+          <a:fillRef idx="1">
+            <a:schemeClr val="accent1"/>
+          </a:fillRef>
+          <a:effectRef idx="0">
+            <a:schemeClr val="accent1"/>
+          </a:effectRef>
+          <a:fontRef idx="minor">
+            <a:schemeClr val="lt1"/>
+          </a:fontRef>
+        </p:style>
+        <p:txBody>
+          <a:bodyPr rtlCol="0" anchor="ctr"/>
+          <a:lstStyle/>
+          <a:p>
+            <a:pPr algn="ctr"/>
+            <a:r>
+              <a:rPr kumimoji="1" lang="en-US" altLang="ja-JP" dirty="0"/>
+              <a:t>Text</a:t>
+            </a:r>
+            <a:br>
+              <a:rPr kumimoji="1" lang="en-US" altLang="ja-JP" dirty="0"/>
+            </a:br>
+            <a:r>
+              <a:rPr kumimoji="1" lang="en-US" altLang="ja-JP" dirty="0"/>
+              <a:t>Asset</a:t>
+            </a:r>
+            <a:endParaRPr kumimoji="1" lang="ja-JP" altLang="en-US" dirty="0"/>
+          </a:p>
+        </p:txBody>
+      </p:sp>
+      <p:sp>
+        <p:nvSpPr>
+          <p:cNvPr id="10" name="正方形/長方形 9">
+            <a:extLst>
+              <a:ext uri="{FF2B5EF4-FFF2-40B4-BE49-F238E27FC236}">
+                <a16:creationId xmlns:a16="http://schemas.microsoft.com/office/drawing/2014/main" id="{0F5FBAD3-7001-4EE1-92AE-C1A3F044E0EC}"/>
+              </a:ext>
+            </a:extLst>
+          </p:cNvPr>
+          <p:cNvSpPr/>
+          <p:nvPr/>
+        </p:nvSpPr>
+        <p:spPr>
+          <a:xfrm>
+            <a:off x="5791200" y="2951258"/>
+            <a:ext cx="914399" cy="588397"/>
+          </a:xfrm>
+          <a:prstGeom prst="rect">
+            <a:avLst/>
+          </a:prstGeom>
+        </p:spPr>
+        <p:style>
+          <a:lnRef idx="2">
+            <a:schemeClr val="accent1">
+              <a:shade val="50000"/>
+            </a:schemeClr>
+          </a:lnRef>
+          <a:fillRef idx="1">
+            <a:schemeClr val="accent1"/>
+          </a:fillRef>
+          <a:effectRef idx="0">
+            <a:schemeClr val="accent1"/>
+          </a:effectRef>
+          <a:fontRef idx="minor">
+            <a:schemeClr val="lt1"/>
+          </a:fontRef>
+        </p:style>
+        <p:txBody>
+          <a:bodyPr rtlCol="0" anchor="ctr"/>
+          <a:lstStyle/>
+          <a:p>
+            <a:pPr algn="ctr"/>
+            <a:r>
+              <a:rPr kumimoji="1" lang="en-US" altLang="ja-JP" dirty="0"/>
+              <a:t>Text</a:t>
+            </a:r>
+            <a:br>
+              <a:rPr kumimoji="1" lang="en-US" altLang="ja-JP" dirty="0"/>
+            </a:br>
+            <a:r>
+              <a:rPr kumimoji="1" lang="en-US" altLang="ja-JP" dirty="0"/>
+              <a:t>Asset</a:t>
+            </a:r>
+            <a:endParaRPr kumimoji="1" lang="ja-JP" altLang="en-US" dirty="0"/>
+          </a:p>
+        </p:txBody>
+      </p:sp>
+      <p:sp>
+        <p:nvSpPr>
+          <p:cNvPr id="11" name="正方形/長方形 10">
+            <a:extLst>
+              <a:ext uri="{FF2B5EF4-FFF2-40B4-BE49-F238E27FC236}">
+                <a16:creationId xmlns:a16="http://schemas.microsoft.com/office/drawing/2014/main" id="{92B15468-82F1-4DAD-9840-0985A474D9F4}"/>
+              </a:ext>
+            </a:extLst>
+          </p:cNvPr>
+          <p:cNvSpPr/>
+          <p:nvPr/>
+        </p:nvSpPr>
+        <p:spPr>
+          <a:xfrm>
+            <a:off x="5943600" y="3103658"/>
+            <a:ext cx="914399" cy="588397"/>
+          </a:xfrm>
+          <a:prstGeom prst="rect">
+            <a:avLst/>
+          </a:prstGeom>
+        </p:spPr>
+        <p:style>
+          <a:lnRef idx="2">
+            <a:schemeClr val="accent1">
+              <a:shade val="50000"/>
+            </a:schemeClr>
+          </a:lnRef>
+          <a:fillRef idx="1">
+            <a:schemeClr val="accent1"/>
+          </a:fillRef>
+          <a:effectRef idx="0">
+            <a:schemeClr val="accent1"/>
+          </a:effectRef>
+          <a:fontRef idx="minor">
+            <a:schemeClr val="lt1"/>
+          </a:fontRef>
+        </p:style>
+        <p:txBody>
+          <a:bodyPr rtlCol="0" anchor="ctr"/>
+          <a:lstStyle/>
+          <a:p>
+            <a:pPr algn="ctr"/>
+            <a:r>
+              <a:rPr kumimoji="1" lang="en-US" altLang="ja-JP" dirty="0"/>
+              <a:t>Text</a:t>
+            </a:r>
+            <a:br>
+              <a:rPr kumimoji="1" lang="en-US" altLang="ja-JP" dirty="0"/>
+            </a:br>
+            <a:r>
+              <a:rPr kumimoji="1" lang="en-US" altLang="ja-JP" dirty="0"/>
+              <a:t>Asset</a:t>
+            </a:r>
+            <a:endParaRPr kumimoji="1" lang="ja-JP" altLang="en-US" dirty="0"/>
+          </a:p>
+        </p:txBody>
+      </p:sp>
+      <p:sp>
+        <p:nvSpPr>
+          <p:cNvPr id="12" name="正方形/長方形 11">
+            <a:extLst>
+              <a:ext uri="{FF2B5EF4-FFF2-40B4-BE49-F238E27FC236}">
+                <a16:creationId xmlns:a16="http://schemas.microsoft.com/office/drawing/2014/main" id="{1D03BF43-D8BB-49C8-A231-D7A067CB6BAF}"/>
+              </a:ext>
+            </a:extLst>
+          </p:cNvPr>
+          <p:cNvSpPr/>
+          <p:nvPr/>
+        </p:nvSpPr>
+        <p:spPr>
+          <a:xfrm>
+            <a:off x="5239910" y="1811282"/>
+            <a:ext cx="2576222" cy="2076905"/>
+          </a:xfrm>
+          <a:prstGeom prst="rect">
+            <a:avLst/>
+          </a:prstGeom>
+          <a:noFill/>
+          <a:ln>
+            <a:solidFill>
+              <a:schemeClr val="tx1"/>
+            </a:solidFill>
+          </a:ln>
+        </p:spPr>
+        <p:style>
+          <a:lnRef idx="2">
+            <a:schemeClr val="accent1">
+              <a:shade val="50000"/>
+            </a:schemeClr>
+          </a:lnRef>
+          <a:fillRef idx="1">
+            <a:schemeClr val="accent1"/>
+          </a:fillRef>
+          <a:effectRef idx="0">
+            <a:schemeClr val="accent1"/>
+          </a:effectRef>
+          <a:fontRef idx="minor">
+            <a:schemeClr val="lt1"/>
+          </a:fontRef>
+        </p:style>
+        <p:txBody>
+          <a:bodyPr rtlCol="0" anchor="ctr"/>
+          <a:lstStyle/>
+          <a:p>
+            <a:pPr algn="ctr"/>
             <a:endParaRPr kumimoji="1" lang="ja-JP" altLang="en-US"/>
+          </a:p>
+        </p:txBody>
+      </p:sp>
+      <p:sp>
+        <p:nvSpPr>
+          <p:cNvPr id="13" name="テキスト ボックス 12">
+            <a:extLst>
+              <a:ext uri="{FF2B5EF4-FFF2-40B4-BE49-F238E27FC236}">
+                <a16:creationId xmlns:a16="http://schemas.microsoft.com/office/drawing/2014/main" id="{527969DD-5EDA-4F30-B3D2-0CEEDBB14C42}"/>
+              </a:ext>
+            </a:extLst>
+          </p:cNvPr>
+          <p:cNvSpPr txBox="1"/>
+          <p:nvPr/>
+        </p:nvSpPr>
+        <p:spPr>
+          <a:xfrm>
+            <a:off x="3591641" y="2111784"/>
+            <a:ext cx="1569660" cy="369332"/>
+          </a:xfrm>
+          <a:prstGeom prst="rect">
+            <a:avLst/>
+          </a:prstGeom>
+          <a:noFill/>
+        </p:spPr>
+        <p:txBody>
+          <a:bodyPr wrap="none" rtlCol="0">
+            <a:spAutoFit/>
+          </a:bodyPr>
+          <a:lstStyle/>
+          <a:p>
+            <a:r>
+              <a:rPr lang="ja-JP" altLang="en-US" dirty="0"/>
+              <a:t>テキスト設定</a:t>
+            </a:r>
+            <a:endParaRPr kumimoji="1" lang="ja-JP" altLang="en-US" dirty="0"/>
+          </a:p>
+        </p:txBody>
+      </p:sp>
+      <p:sp>
+        <p:nvSpPr>
+          <p:cNvPr id="14" name="正方形/長方形 13">
+            <a:extLst>
+              <a:ext uri="{FF2B5EF4-FFF2-40B4-BE49-F238E27FC236}">
+                <a16:creationId xmlns:a16="http://schemas.microsoft.com/office/drawing/2014/main" id="{0855FE1A-8E7F-4DA5-86C2-6336F47B08CD}"/>
+              </a:ext>
+            </a:extLst>
+          </p:cNvPr>
+          <p:cNvSpPr/>
+          <p:nvPr/>
+        </p:nvSpPr>
+        <p:spPr>
+          <a:xfrm>
+            <a:off x="4035287" y="2555535"/>
+            <a:ext cx="914399" cy="588397"/>
+          </a:xfrm>
+          <a:prstGeom prst="rect">
+            <a:avLst/>
+          </a:prstGeom>
+        </p:spPr>
+        <p:style>
+          <a:lnRef idx="2">
+            <a:schemeClr val="accent1">
+              <a:shade val="50000"/>
+            </a:schemeClr>
+          </a:lnRef>
+          <a:fillRef idx="1">
+            <a:schemeClr val="accent1"/>
+          </a:fillRef>
+          <a:effectRef idx="0">
+            <a:schemeClr val="accent1"/>
+          </a:effectRef>
+          <a:fontRef idx="minor">
+            <a:schemeClr val="lt1"/>
+          </a:fontRef>
+        </p:style>
+        <p:txBody>
+          <a:bodyPr rtlCol="0" anchor="ctr"/>
+          <a:lstStyle/>
+          <a:p>
+            <a:pPr algn="ctr"/>
+            <a:r>
+              <a:rPr kumimoji="1" lang="en-US" altLang="ja-JP" dirty="0"/>
+              <a:t>Text</a:t>
+            </a:r>
+            <a:br>
+              <a:rPr kumimoji="1" lang="en-US" altLang="ja-JP" dirty="0"/>
+            </a:br>
+            <a:r>
+              <a:rPr kumimoji="1" lang="en-US" altLang="ja-JP" dirty="0"/>
+              <a:t>Asset</a:t>
+            </a:r>
+            <a:endParaRPr kumimoji="1" lang="ja-JP" altLang="en-US" dirty="0"/>
+          </a:p>
+        </p:txBody>
+      </p:sp>
+      <p:sp>
+        <p:nvSpPr>
+          <p:cNvPr id="15" name="正方形/長方形 14">
+            <a:extLst>
+              <a:ext uri="{FF2B5EF4-FFF2-40B4-BE49-F238E27FC236}">
+                <a16:creationId xmlns:a16="http://schemas.microsoft.com/office/drawing/2014/main" id="{563860D2-5F11-4188-9844-6EDBB078EA51}"/>
+              </a:ext>
+            </a:extLst>
+          </p:cNvPr>
+          <p:cNvSpPr/>
+          <p:nvPr/>
+        </p:nvSpPr>
+        <p:spPr>
+          <a:xfrm>
+            <a:off x="1373168" y="2449310"/>
+            <a:ext cx="2576222" cy="2076905"/>
+          </a:xfrm>
+          <a:prstGeom prst="rect">
+            <a:avLst/>
+          </a:prstGeom>
+          <a:noFill/>
+          <a:ln>
+            <a:solidFill>
+              <a:schemeClr val="tx1"/>
+            </a:solidFill>
+          </a:ln>
+        </p:spPr>
+        <p:style>
+          <a:lnRef idx="2">
+            <a:schemeClr val="accent1">
+              <a:shade val="50000"/>
+            </a:schemeClr>
+          </a:lnRef>
+          <a:fillRef idx="1">
+            <a:schemeClr val="accent1"/>
+          </a:fillRef>
+          <a:effectRef idx="0">
+            <a:schemeClr val="accent1"/>
+          </a:effectRef>
+          <a:fontRef idx="minor">
+            <a:schemeClr val="lt1"/>
+          </a:fontRef>
+        </p:style>
+        <p:txBody>
+          <a:bodyPr rtlCol="0" anchor="ctr"/>
+          <a:lstStyle/>
+          <a:p>
+            <a:pPr algn="ctr"/>
+            <a:endParaRPr kumimoji="1" lang="ja-JP" altLang="en-US"/>
+          </a:p>
+        </p:txBody>
+      </p:sp>
+      <p:sp>
+        <p:nvSpPr>
+          <p:cNvPr id="25" name="矢印: U ターン 24">
+            <a:extLst>
+              <a:ext uri="{FF2B5EF4-FFF2-40B4-BE49-F238E27FC236}">
+                <a16:creationId xmlns:a16="http://schemas.microsoft.com/office/drawing/2014/main" id="{7B7E77E9-B06C-4FAF-B22A-3AEB7905B03C}"/>
+              </a:ext>
+            </a:extLst>
+          </p:cNvPr>
+          <p:cNvSpPr/>
+          <p:nvPr/>
+        </p:nvSpPr>
+        <p:spPr>
+          <a:xfrm rot="5400000">
+            <a:off x="3916381" y="3506524"/>
+            <a:ext cx="654415" cy="588397"/>
+          </a:xfrm>
+          <a:prstGeom prst="uturnArrow">
+            <a:avLst/>
+          </a:prstGeom>
+        </p:spPr>
+        <p:style>
+          <a:lnRef idx="2">
+            <a:schemeClr val="accent1">
+              <a:shade val="50000"/>
+            </a:schemeClr>
+          </a:lnRef>
+          <a:fillRef idx="1">
+            <a:schemeClr val="accent1"/>
+          </a:fillRef>
+          <a:effectRef idx="0">
+            <a:schemeClr val="accent1"/>
+          </a:effectRef>
+          <a:fontRef idx="minor">
+            <a:schemeClr val="lt1"/>
+          </a:fontRef>
+        </p:style>
+        <p:txBody>
+          <a:bodyPr rtlCol="0" anchor="ctr"/>
+          <a:lstStyle/>
+          <a:p>
+            <a:pPr algn="ctr"/>
+            <a:endParaRPr kumimoji="1" lang="ja-JP" altLang="en-US">
+              <a:solidFill>
+                <a:schemeClr val="tx1"/>
+              </a:solidFill>
+            </a:endParaRPr>
+          </a:p>
+        </p:txBody>
+      </p:sp>
+      <p:sp>
+        <p:nvSpPr>
+          <p:cNvPr id="26" name="テキスト ボックス 25">
+            <a:extLst>
+              <a:ext uri="{FF2B5EF4-FFF2-40B4-BE49-F238E27FC236}">
+                <a16:creationId xmlns:a16="http://schemas.microsoft.com/office/drawing/2014/main" id="{0906E946-6894-41DD-BF20-F726D5845972}"/>
+              </a:ext>
+            </a:extLst>
+          </p:cNvPr>
+          <p:cNvSpPr txBox="1"/>
+          <p:nvPr/>
+        </p:nvSpPr>
+        <p:spPr>
+          <a:xfrm>
+            <a:off x="4442504" y="3553408"/>
+            <a:ext cx="646331" cy="369332"/>
+          </a:xfrm>
+          <a:prstGeom prst="rect">
+            <a:avLst/>
+          </a:prstGeom>
+          <a:noFill/>
+        </p:spPr>
+        <p:txBody>
+          <a:bodyPr wrap="none" rtlCol="0">
+            <a:spAutoFit/>
+          </a:bodyPr>
+          <a:lstStyle/>
+          <a:p>
+            <a:r>
+              <a:rPr lang="ja-JP" altLang="en-US" dirty="0"/>
+              <a:t>表示</a:t>
+            </a:r>
+            <a:endParaRPr kumimoji="1" lang="ja-JP" altLang="en-US" dirty="0"/>
           </a:p>
         </p:txBody>
       </p:sp>
     </p:spTree>
     <p:extLst>
       <p:ext uri="{BB962C8B-B14F-4D97-AF65-F5344CB8AC3E}">
-        <p14:creationId xmlns:p14="http://schemas.microsoft.com/office/powerpoint/2010/main" val="2735141158"/>
+        <p14:creationId xmlns:p14="http://schemas.microsoft.com/office/powerpoint/2010/main" val="1806462839"/>
       </p:ext>
     </p:extLst>
   </p:cSld>

--- a/Unity1week企画.pptx
+++ b/Unity1week企画.pptx
@@ -290,7 +290,7 @@
           <a:p>
             <a:fld id="{ADD8B1C5-9959-4BD7-95A7-9D0118CD9ACF}" type="datetimeFigureOut">
               <a:rPr kumimoji="1" lang="ja-JP" altLang="en-US" smtClean="0"/>
-              <a:t>2019/10/18</a:t>
+              <a:t>2019/10/19</a:t>
             </a:fld>
             <a:endParaRPr kumimoji="1" lang="ja-JP" altLang="en-US"/>
           </a:p>
@@ -520,7 +520,7 @@
           <a:p>
             <a:fld id="{ADD8B1C5-9959-4BD7-95A7-9D0118CD9ACF}" type="datetimeFigureOut">
               <a:rPr kumimoji="1" lang="ja-JP" altLang="en-US" smtClean="0"/>
-              <a:t>2019/10/18</a:t>
+              <a:t>2019/10/19</a:t>
             </a:fld>
             <a:endParaRPr kumimoji="1" lang="ja-JP" altLang="en-US"/>
           </a:p>
@@ -760,7 +760,7 @@
           <a:p>
             <a:fld id="{ADD8B1C5-9959-4BD7-95A7-9D0118CD9ACF}" type="datetimeFigureOut">
               <a:rPr kumimoji="1" lang="ja-JP" altLang="en-US" smtClean="0"/>
-              <a:t>2019/10/18</a:t>
+              <a:t>2019/10/19</a:t>
             </a:fld>
             <a:endParaRPr kumimoji="1" lang="ja-JP" altLang="en-US"/>
           </a:p>
@@ -990,7 +990,7 @@
           <a:p>
             <a:fld id="{ADD8B1C5-9959-4BD7-95A7-9D0118CD9ACF}" type="datetimeFigureOut">
               <a:rPr kumimoji="1" lang="ja-JP" altLang="en-US" smtClean="0"/>
-              <a:t>2019/10/18</a:t>
+              <a:t>2019/10/19</a:t>
             </a:fld>
             <a:endParaRPr kumimoji="1" lang="ja-JP" altLang="en-US"/>
           </a:p>
@@ -1265,7 +1265,7 @@
           <a:p>
             <a:fld id="{ADD8B1C5-9959-4BD7-95A7-9D0118CD9ACF}" type="datetimeFigureOut">
               <a:rPr kumimoji="1" lang="ja-JP" altLang="en-US" smtClean="0"/>
-              <a:t>2019/10/18</a:t>
+              <a:t>2019/10/19</a:t>
             </a:fld>
             <a:endParaRPr kumimoji="1" lang="ja-JP" altLang="en-US"/>
           </a:p>
@@ -1594,7 +1594,7 @@
           <a:p>
             <a:fld id="{ADD8B1C5-9959-4BD7-95A7-9D0118CD9ACF}" type="datetimeFigureOut">
               <a:rPr kumimoji="1" lang="ja-JP" altLang="en-US" smtClean="0"/>
-              <a:t>2019/10/18</a:t>
+              <a:t>2019/10/19</a:t>
             </a:fld>
             <a:endParaRPr kumimoji="1" lang="ja-JP" altLang="en-US"/>
           </a:p>
@@ -2070,7 +2070,7 @@
           <a:p>
             <a:fld id="{ADD8B1C5-9959-4BD7-95A7-9D0118CD9ACF}" type="datetimeFigureOut">
               <a:rPr kumimoji="1" lang="ja-JP" altLang="en-US" smtClean="0"/>
-              <a:t>2019/10/18</a:t>
+              <a:t>2019/10/19</a:t>
             </a:fld>
             <a:endParaRPr kumimoji="1" lang="ja-JP" altLang="en-US"/>
           </a:p>
@@ -2211,7 +2211,7 @@
           <a:p>
             <a:fld id="{ADD8B1C5-9959-4BD7-95A7-9D0118CD9ACF}" type="datetimeFigureOut">
               <a:rPr kumimoji="1" lang="ja-JP" altLang="en-US" smtClean="0"/>
-              <a:t>2019/10/18</a:t>
+              <a:t>2019/10/19</a:t>
             </a:fld>
             <a:endParaRPr kumimoji="1" lang="ja-JP" altLang="en-US"/>
           </a:p>
@@ -2324,7 +2324,7 @@
           <a:p>
             <a:fld id="{ADD8B1C5-9959-4BD7-95A7-9D0118CD9ACF}" type="datetimeFigureOut">
               <a:rPr kumimoji="1" lang="ja-JP" altLang="en-US" smtClean="0"/>
-              <a:t>2019/10/18</a:t>
+              <a:t>2019/10/19</a:t>
             </a:fld>
             <a:endParaRPr kumimoji="1" lang="ja-JP" altLang="en-US"/>
           </a:p>
@@ -2667,7 +2667,7 @@
           <a:p>
             <a:fld id="{ADD8B1C5-9959-4BD7-95A7-9D0118CD9ACF}" type="datetimeFigureOut">
               <a:rPr kumimoji="1" lang="ja-JP" altLang="en-US" smtClean="0"/>
-              <a:t>2019/10/18</a:t>
+              <a:t>2019/10/19</a:t>
             </a:fld>
             <a:endParaRPr kumimoji="1" lang="ja-JP" altLang="en-US"/>
           </a:p>
@@ -2955,7 +2955,7 @@
           <a:p>
             <a:fld id="{ADD8B1C5-9959-4BD7-95A7-9D0118CD9ACF}" type="datetimeFigureOut">
               <a:rPr kumimoji="1" lang="ja-JP" altLang="en-US" smtClean="0"/>
-              <a:t>2019/10/18</a:t>
+              <a:t>2019/10/19</a:t>
             </a:fld>
             <a:endParaRPr kumimoji="1" lang="ja-JP" altLang="en-US"/>
           </a:p>
@@ -3228,7 +3228,7 @@
           <a:p>
             <a:fld id="{ADD8B1C5-9959-4BD7-95A7-9D0118CD9ACF}" type="datetimeFigureOut">
               <a:rPr kumimoji="1" lang="ja-JP" altLang="en-US" smtClean="0"/>
-              <a:t>2019/10/18</a:t>
+              <a:t>2019/10/19</a:t>
             </a:fld>
             <a:endParaRPr kumimoji="1" lang="ja-JP" altLang="en-US"/>
           </a:p>
@@ -3774,159 +3774,138 @@
           </a:p>
         </p:txBody>
       </p:sp>
-      <p:grpSp>
-        <p:nvGrpSpPr>
-          <p:cNvPr id="9" name="グループ化 8">
-            <a:extLst>
-              <a:ext uri="{FF2B5EF4-FFF2-40B4-BE49-F238E27FC236}">
-                <a16:creationId xmlns:a16="http://schemas.microsoft.com/office/drawing/2014/main" id="{162C7AAA-62E8-4548-8B26-350FA154FBDA}"/>
-              </a:ext>
-            </a:extLst>
-          </p:cNvPr>
-          <p:cNvGrpSpPr/>
+      <p:sp>
+        <p:nvSpPr>
+          <p:cNvPr id="11" name="正方形/長方形 10">
+            <a:extLst>
+              <a:ext uri="{FF2B5EF4-FFF2-40B4-BE49-F238E27FC236}">
+                <a16:creationId xmlns:a16="http://schemas.microsoft.com/office/drawing/2014/main" id="{955C70E4-D9EA-4A39-BD26-79A3817846D4}"/>
+              </a:ext>
+            </a:extLst>
+          </p:cNvPr>
+          <p:cNvSpPr/>
           <p:nvPr/>
-        </p:nvGrpSpPr>
-        <p:grpSpPr>
+        </p:nvSpPr>
+        <p:spPr>
           <a:xfrm>
             <a:off x="2194559" y="4513753"/>
-            <a:ext cx="3260034" cy="1782480"/>
-            <a:chOff x="4230094" y="3868309"/>
-            <a:chExt cx="3260034" cy="1782480"/>
+            <a:ext cx="3260034" cy="1391478"/>
           </a:xfrm>
-        </p:grpSpPr>
-        <p:sp>
-          <p:nvSpPr>
-            <p:cNvPr id="11" name="正方形/長方形 10">
-              <a:extLst>
-                <a:ext uri="{FF2B5EF4-FFF2-40B4-BE49-F238E27FC236}">
-                  <a16:creationId xmlns:a16="http://schemas.microsoft.com/office/drawing/2014/main" id="{955C70E4-D9EA-4A39-BD26-79A3817846D4}"/>
-                </a:ext>
-              </a:extLst>
-            </p:cNvPr>
-            <p:cNvSpPr/>
-            <p:nvPr/>
-          </p:nvSpPr>
-          <p:spPr>
-            <a:xfrm>
-              <a:off x="4230094" y="3868309"/>
-              <a:ext cx="3260034" cy="1391478"/>
-            </a:xfrm>
-            <a:prstGeom prst="rect">
-              <a:avLst/>
-            </a:prstGeom>
+          <a:prstGeom prst="rect">
+            <a:avLst/>
+          </a:prstGeom>
+          <a:solidFill>
+            <a:schemeClr val="bg1"/>
+          </a:solidFill>
+          <a:ln>
             <a:solidFill>
-              <a:schemeClr val="bg1"/>
+              <a:schemeClr val="tx1"/>
             </a:solidFill>
-            <a:ln>
+          </a:ln>
+        </p:spPr>
+        <p:style>
+          <a:lnRef idx="2">
+            <a:schemeClr val="accent1">
+              <a:shade val="50000"/>
+            </a:schemeClr>
+          </a:lnRef>
+          <a:fillRef idx="1">
+            <a:schemeClr val="accent1"/>
+          </a:fillRef>
+          <a:effectRef idx="0">
+            <a:schemeClr val="accent1"/>
+          </a:effectRef>
+          <a:fontRef idx="minor">
+            <a:schemeClr val="lt1"/>
+          </a:fontRef>
+        </p:style>
+        <p:txBody>
+          <a:bodyPr rtlCol="0" anchor="ctr"/>
+          <a:lstStyle/>
+          <a:p>
+            <a:pPr algn="ctr"/>
+            <a:r>
+              <a:rPr lang="ja-JP" altLang="en-US" dirty="0">
+                <a:solidFill>
+                  <a:schemeClr val="tx1"/>
+                </a:solidFill>
+              </a:rPr>
+              <a:t>ホール</a:t>
+            </a:r>
+            <a:endParaRPr kumimoji="1" lang="ja-JP" altLang="en-US" dirty="0">
               <a:solidFill>
                 <a:schemeClr val="tx1"/>
               </a:solidFill>
-            </a:ln>
-          </p:spPr>
-          <p:style>
-            <a:lnRef idx="2">
-              <a:schemeClr val="accent1">
-                <a:shade val="50000"/>
-              </a:schemeClr>
-            </a:lnRef>
-            <a:fillRef idx="1">
-              <a:schemeClr val="accent1"/>
-            </a:fillRef>
-            <a:effectRef idx="0">
-              <a:schemeClr val="accent1"/>
-            </a:effectRef>
-            <a:fontRef idx="minor">
-              <a:schemeClr val="lt1"/>
-            </a:fontRef>
-          </p:style>
-          <p:txBody>
-            <a:bodyPr rtlCol="0" anchor="ctr"/>
-            <a:lstStyle/>
-            <a:p>
-              <a:pPr algn="ctr"/>
-              <a:r>
-                <a:rPr lang="ja-JP" altLang="en-US" dirty="0">
-                  <a:solidFill>
-                    <a:schemeClr val="tx1"/>
-                  </a:solidFill>
-                </a:rPr>
-                <a:t>ホール</a:t>
-              </a:r>
-              <a:endParaRPr kumimoji="1" lang="ja-JP" altLang="en-US" dirty="0">
+            </a:endParaRPr>
+          </a:p>
+        </p:txBody>
+      </p:sp>
+      <p:sp>
+        <p:nvSpPr>
+          <p:cNvPr id="12" name="正方形/長方形 11">
+            <a:extLst>
+              <a:ext uri="{FF2B5EF4-FFF2-40B4-BE49-F238E27FC236}">
+                <a16:creationId xmlns:a16="http://schemas.microsoft.com/office/drawing/2014/main" id="{7195617F-29A3-4852-ABC3-BDB7C1E81522}"/>
+              </a:ext>
+            </a:extLst>
+          </p:cNvPr>
+          <p:cNvSpPr/>
+          <p:nvPr/>
+        </p:nvSpPr>
+        <p:spPr>
+          <a:xfrm>
+            <a:off x="3291838" y="5905231"/>
+            <a:ext cx="1065475" cy="391002"/>
+          </a:xfrm>
+          <a:prstGeom prst="rect">
+            <a:avLst/>
+          </a:prstGeom>
+          <a:solidFill>
+            <a:schemeClr val="bg1"/>
+          </a:solidFill>
+          <a:ln>
+            <a:solidFill>
+              <a:schemeClr val="tx1"/>
+            </a:solidFill>
+          </a:ln>
+        </p:spPr>
+        <p:style>
+          <a:lnRef idx="2">
+            <a:schemeClr val="accent1">
+              <a:shade val="50000"/>
+            </a:schemeClr>
+          </a:lnRef>
+          <a:fillRef idx="1">
+            <a:schemeClr val="accent1"/>
+          </a:fillRef>
+          <a:effectRef idx="0">
+            <a:schemeClr val="accent1"/>
+          </a:effectRef>
+          <a:fontRef idx="minor">
+            <a:schemeClr val="lt1"/>
+          </a:fontRef>
+        </p:style>
+        <p:txBody>
+          <a:bodyPr rtlCol="0" anchor="ctr"/>
+          <a:lstStyle/>
+          <a:p>
+            <a:pPr algn="ctr"/>
+            <a:r>
+              <a:rPr lang="ja-JP" altLang="en-US" dirty="0">
                 <a:solidFill>
                   <a:schemeClr val="tx1"/>
                 </a:solidFill>
-              </a:endParaRPr>
-            </a:p>
-          </p:txBody>
-        </p:sp>
-        <p:sp>
-          <p:nvSpPr>
-            <p:cNvPr id="12" name="正方形/長方形 11">
-              <a:extLst>
-                <a:ext uri="{FF2B5EF4-FFF2-40B4-BE49-F238E27FC236}">
-                  <a16:creationId xmlns:a16="http://schemas.microsoft.com/office/drawing/2014/main" id="{7195617F-29A3-4852-ABC3-BDB7C1E81522}"/>
-                </a:ext>
-              </a:extLst>
-            </p:cNvPr>
-            <p:cNvSpPr/>
-            <p:nvPr/>
-          </p:nvSpPr>
-          <p:spPr>
-            <a:xfrm>
-              <a:off x="5327373" y="5259787"/>
-              <a:ext cx="1065475" cy="391002"/>
-            </a:xfrm>
-            <a:prstGeom prst="rect">
-              <a:avLst/>
-            </a:prstGeom>
-            <a:solidFill>
-              <a:schemeClr val="bg2"/>
-            </a:solidFill>
-            <a:ln>
+              </a:rPr>
+              <a:t>出口</a:t>
+            </a:r>
+            <a:endParaRPr kumimoji="1" lang="ja-JP" altLang="en-US" dirty="0">
               <a:solidFill>
                 <a:schemeClr val="tx1"/>
               </a:solidFill>
-            </a:ln>
-          </p:spPr>
-          <p:style>
-            <a:lnRef idx="2">
-              <a:schemeClr val="accent1">
-                <a:shade val="50000"/>
-              </a:schemeClr>
-            </a:lnRef>
-            <a:fillRef idx="1">
-              <a:schemeClr val="accent1"/>
-            </a:fillRef>
-            <a:effectRef idx="0">
-              <a:schemeClr val="accent1"/>
-            </a:effectRef>
-            <a:fontRef idx="minor">
-              <a:schemeClr val="lt1"/>
-            </a:fontRef>
-          </p:style>
-          <p:txBody>
-            <a:bodyPr rtlCol="0" anchor="ctr"/>
-            <a:lstStyle/>
-            <a:p>
-              <a:pPr algn="ctr"/>
-              <a:r>
-                <a:rPr lang="ja-JP" altLang="en-US" dirty="0">
-                  <a:solidFill>
-                    <a:schemeClr val="tx1"/>
-                  </a:solidFill>
-                </a:rPr>
-                <a:t>出口</a:t>
-              </a:r>
-              <a:endParaRPr kumimoji="1" lang="ja-JP" altLang="en-US" dirty="0">
-                <a:solidFill>
-                  <a:schemeClr val="tx1"/>
-                </a:solidFill>
-              </a:endParaRPr>
-            </a:p>
-          </p:txBody>
-        </p:sp>
-      </p:grpSp>
+            </a:endParaRPr>
+          </a:p>
+        </p:txBody>
+      </p:sp>
       <p:sp>
         <p:nvSpPr>
           <p:cNvPr id="10" name="正方形/長方形 9">
@@ -4247,125 +4226,104 @@
           </a:p>
         </p:txBody>
       </p:sp>
-      <p:grpSp>
-        <p:nvGrpSpPr>
-          <p:cNvPr id="20" name="グループ化 19">
-            <a:extLst>
-              <a:ext uri="{FF2B5EF4-FFF2-40B4-BE49-F238E27FC236}">
-                <a16:creationId xmlns:a16="http://schemas.microsoft.com/office/drawing/2014/main" id="{FA5E7A41-9C24-44CA-B9A1-5DB086B2A2C9}"/>
-              </a:ext>
-            </a:extLst>
-          </p:cNvPr>
-          <p:cNvGrpSpPr/>
+      <p:sp>
+        <p:nvSpPr>
+          <p:cNvPr id="14" name="正方形/長方形 13">
+            <a:extLst>
+              <a:ext uri="{FF2B5EF4-FFF2-40B4-BE49-F238E27FC236}">
+                <a16:creationId xmlns:a16="http://schemas.microsoft.com/office/drawing/2014/main" id="{12659D62-4F8A-4FF3-B866-721E1DD02FB0}"/>
+              </a:ext>
+            </a:extLst>
+          </p:cNvPr>
+          <p:cNvSpPr/>
           <p:nvPr/>
-        </p:nvGrpSpPr>
-        <p:grpSpPr>
+        </p:nvSpPr>
+        <p:spPr>
           <a:xfrm>
             <a:off x="1486891" y="2773959"/>
             <a:ext cx="365760" cy="411969"/>
-            <a:chOff x="3673500" y="2654689"/>
-            <a:chExt cx="365760" cy="411969"/>
           </a:xfrm>
-        </p:grpSpPr>
-        <p:sp>
-          <p:nvSpPr>
-            <p:cNvPr id="14" name="正方形/長方形 13">
-              <a:extLst>
-                <a:ext uri="{FF2B5EF4-FFF2-40B4-BE49-F238E27FC236}">
-                  <a16:creationId xmlns:a16="http://schemas.microsoft.com/office/drawing/2014/main" id="{12659D62-4F8A-4FF3-B866-721E1DD02FB0}"/>
-                </a:ext>
-              </a:extLst>
-            </p:cNvPr>
-            <p:cNvSpPr/>
-            <p:nvPr/>
-          </p:nvSpPr>
-          <p:spPr>
-            <a:xfrm>
-              <a:off x="3673500" y="2654689"/>
-              <a:ext cx="365760" cy="411969"/>
-            </a:xfrm>
-            <a:prstGeom prst="rect">
-              <a:avLst/>
-            </a:prstGeom>
+          <a:prstGeom prst="rect">
+            <a:avLst/>
+          </a:prstGeom>
+          <a:solidFill>
+            <a:schemeClr val="bg1"/>
+          </a:solidFill>
+          <a:ln>
             <a:solidFill>
               <a:schemeClr val="bg1"/>
             </a:solidFill>
-            <a:ln>
-              <a:solidFill>
-                <a:schemeClr val="bg1"/>
-              </a:solidFill>
-            </a:ln>
-          </p:spPr>
-          <p:style>
-            <a:lnRef idx="2">
-              <a:schemeClr val="accent1">
-                <a:shade val="50000"/>
-              </a:schemeClr>
-            </a:lnRef>
-            <a:fillRef idx="1">
-              <a:schemeClr val="accent1"/>
-            </a:fillRef>
-            <a:effectRef idx="0">
-              <a:schemeClr val="accent1"/>
-            </a:effectRef>
-            <a:fontRef idx="minor">
-              <a:schemeClr val="lt1"/>
-            </a:fontRef>
-          </p:style>
-          <p:txBody>
-            <a:bodyPr rtlCol="0" anchor="ctr"/>
-            <a:lstStyle/>
-            <a:p>
-              <a:pPr algn="ctr"/>
-              <a:endParaRPr kumimoji="1" lang="ja-JP" altLang="en-US"/>
-            </a:p>
-          </p:txBody>
-        </p:sp>
-        <p:cxnSp>
-          <p:nvCxnSpPr>
-            <p:cNvPr id="18" name="直線コネクタ 17">
-              <a:extLst>
-                <a:ext uri="{FF2B5EF4-FFF2-40B4-BE49-F238E27FC236}">
-                  <a16:creationId xmlns:a16="http://schemas.microsoft.com/office/drawing/2014/main" id="{60C0AEE8-5ACC-416B-81B2-878E56B0494D}"/>
-                </a:ext>
-              </a:extLst>
-            </p:cNvPr>
-            <p:cNvCxnSpPr>
-              <a:stCxn id="14" idx="0"/>
-              <a:endCxn id="14" idx="3"/>
-            </p:cNvCxnSpPr>
-            <p:nvPr/>
-          </p:nvCxnSpPr>
-          <p:spPr>
-            <a:xfrm>
-              <a:off x="3856380" y="2654689"/>
-              <a:ext cx="182880" cy="205985"/>
-            </a:xfrm>
-            <a:prstGeom prst="line">
-              <a:avLst/>
-            </a:prstGeom>
-            <a:ln>
-              <a:solidFill>
-                <a:schemeClr val="tx1"/>
-              </a:solidFill>
-            </a:ln>
-          </p:spPr>
-          <p:style>
-            <a:lnRef idx="1">
-              <a:schemeClr val="accent1"/>
-            </a:lnRef>
-            <a:fillRef idx="0">
-              <a:schemeClr val="accent1"/>
-            </a:fillRef>
-            <a:effectRef idx="0">
-              <a:schemeClr val="accent1"/>
-            </a:effectRef>
-            <a:fontRef idx="minor">
+          </a:ln>
+        </p:spPr>
+        <p:style>
+          <a:lnRef idx="2">
+            <a:schemeClr val="accent1">
+              <a:shade val="50000"/>
+            </a:schemeClr>
+          </a:lnRef>
+          <a:fillRef idx="1">
+            <a:schemeClr val="accent1"/>
+          </a:fillRef>
+          <a:effectRef idx="0">
+            <a:schemeClr val="accent1"/>
+          </a:effectRef>
+          <a:fontRef idx="minor">
+            <a:schemeClr val="lt1"/>
+          </a:fontRef>
+        </p:style>
+        <p:txBody>
+          <a:bodyPr rtlCol="0" anchor="ctr"/>
+          <a:lstStyle/>
+          <a:p>
+            <a:pPr algn="ctr"/>
+            <a:endParaRPr kumimoji="1" lang="ja-JP" altLang="en-US"/>
+          </a:p>
+        </p:txBody>
+      </p:sp>
+      <p:cxnSp>
+        <p:nvCxnSpPr>
+          <p:cNvPr id="18" name="直線コネクタ 17">
+            <a:extLst>
+              <a:ext uri="{FF2B5EF4-FFF2-40B4-BE49-F238E27FC236}">
+                <a16:creationId xmlns:a16="http://schemas.microsoft.com/office/drawing/2014/main" id="{60C0AEE8-5ACC-416B-81B2-878E56B0494D}"/>
+              </a:ext>
+            </a:extLst>
+          </p:cNvPr>
+          <p:cNvCxnSpPr>
+            <a:stCxn id="14" idx="0"/>
+            <a:endCxn id="14" idx="3"/>
+          </p:cNvCxnSpPr>
+          <p:nvPr/>
+        </p:nvCxnSpPr>
+        <p:spPr>
+          <a:xfrm>
+            <a:off x="1669771" y="2773959"/>
+            <a:ext cx="182880" cy="205985"/>
+          </a:xfrm>
+          <a:prstGeom prst="line">
+            <a:avLst/>
+          </a:prstGeom>
+          <a:ln>
+            <a:solidFill>
               <a:schemeClr val="tx1"/>
-            </a:fontRef>
-          </p:style>
-        </p:cxnSp>
-      </p:grpSp>
+            </a:solidFill>
+          </a:ln>
+        </p:spPr>
+        <p:style>
+          <a:lnRef idx="1">
+            <a:schemeClr val="accent1"/>
+          </a:lnRef>
+          <a:fillRef idx="0">
+            <a:schemeClr val="accent1"/>
+          </a:fillRef>
+          <a:effectRef idx="0">
+            <a:schemeClr val="accent1"/>
+          </a:effectRef>
+          <a:fontRef idx="minor">
+            <a:schemeClr val="tx1"/>
+          </a:fontRef>
+        </p:style>
+      </p:cxnSp>
       <p:grpSp>
         <p:nvGrpSpPr>
           <p:cNvPr id="31" name="グループ化 30">
@@ -4970,44 +4928,12 @@
           <a:p>
             <a:pPr algn="ctr"/>
             <a:r>
-              <a:rPr kumimoji="1" lang="ja-JP" altLang="en-US" sz="1100" dirty="0">
-                <a:solidFill>
-                  <a:schemeClr val="tx1"/>
-                </a:solidFill>
-              </a:rPr>
-              <a:t>隠し部屋</a:t>
-            </a:r>
-            <a:endParaRPr kumimoji="1" lang="en-US" altLang="ja-JP" sz="1100" dirty="0">
-              <a:solidFill>
-                <a:schemeClr val="tx1"/>
-              </a:solidFill>
-            </a:endParaRPr>
-          </a:p>
-          <a:p>
-            <a:pPr algn="ctr"/>
-            <a:r>
-              <a:rPr lang="en-US" altLang="ja-JP" sz="1100" dirty="0">
-                <a:solidFill>
-                  <a:schemeClr val="tx1"/>
-                </a:solidFill>
-              </a:rPr>
-              <a:t>(</a:t>
-            </a:r>
-            <a:r>
               <a:rPr lang="ja-JP" altLang="en-US" sz="1100" dirty="0">
                 <a:solidFill>
                   <a:schemeClr val="tx1"/>
                 </a:solidFill>
               </a:rPr>
               <a:t>地下階段</a:t>
-            </a:r>
-            <a:r>
-              <a:rPr lang="en-US" altLang="ja-JP" sz="1100" dirty="0">
-                <a:solidFill>
-                  <a:schemeClr val="tx1"/>
-                </a:solidFill>
-              </a:rPr>
-              <a:t>)</a:t>
             </a:r>
             <a:endParaRPr kumimoji="1" lang="ja-JP" altLang="en-US" sz="1100" dirty="0">
               <a:solidFill>
@@ -7322,67 +7248,6 @@
       </p:grpSp>
       <p:sp>
         <p:nvSpPr>
-          <p:cNvPr id="4" name="正方形/長方形 3">
-            <a:extLst>
-              <a:ext uri="{FF2B5EF4-FFF2-40B4-BE49-F238E27FC236}">
-                <a16:creationId xmlns:a16="http://schemas.microsoft.com/office/drawing/2014/main" id="{A7C5C150-B812-481A-AC63-CC643C6E9C6D}"/>
-              </a:ext>
-            </a:extLst>
-          </p:cNvPr>
-          <p:cNvSpPr/>
-          <p:nvPr/>
-        </p:nvSpPr>
-        <p:spPr>
-          <a:xfrm>
-            <a:off x="2190962" y="2227902"/>
-            <a:ext cx="517908" cy="444795"/>
-          </a:xfrm>
-          <a:prstGeom prst="rect">
-            <a:avLst/>
-          </a:prstGeom>
-          <a:solidFill>
-            <a:schemeClr val="bg1"/>
-          </a:solidFill>
-        </p:spPr>
-        <p:style>
-          <a:lnRef idx="2">
-            <a:schemeClr val="accent1">
-              <a:shade val="50000"/>
-            </a:schemeClr>
-          </a:lnRef>
-          <a:fillRef idx="1">
-            <a:schemeClr val="accent1"/>
-          </a:fillRef>
-          <a:effectRef idx="0">
-            <a:schemeClr val="accent1"/>
-          </a:effectRef>
-          <a:fontRef idx="minor">
-            <a:schemeClr val="lt1"/>
-          </a:fontRef>
-        </p:style>
-        <p:txBody>
-          <a:bodyPr rtlCol="0" anchor="ctr"/>
-          <a:lstStyle/>
-          <a:p>
-            <a:pPr algn="ctr"/>
-            <a:r>
-              <a:rPr kumimoji="1" lang="ja-JP" altLang="en-US" sz="1000" dirty="0">
-                <a:solidFill>
-                  <a:schemeClr val="tx1"/>
-                </a:solidFill>
-              </a:rPr>
-              <a:t>隠し階段</a:t>
-            </a:r>
-            <a:endParaRPr kumimoji="1" lang="en-US" altLang="ja-JP" sz="1000" dirty="0">
-              <a:solidFill>
-                <a:schemeClr val="tx1"/>
-              </a:solidFill>
-            </a:endParaRPr>
-          </a:p>
-        </p:txBody>
-      </p:sp>
-      <p:sp>
-        <p:nvSpPr>
           <p:cNvPr id="72" name="正方形/長方形 71">
             <a:extLst>
               <a:ext uri="{FF2B5EF4-FFF2-40B4-BE49-F238E27FC236}">
@@ -7566,41 +7431,9 @@
                   <a:schemeClr val="tx1"/>
                 </a:solidFill>
               </a:rPr>
-              <a:t>親吸血鬼の部屋</a:t>
+              <a:t>吸血鬼の部屋</a:t>
             </a:r>
             <a:endParaRPr kumimoji="1" lang="en-US" altLang="ja-JP" dirty="0">
-              <a:solidFill>
-                <a:schemeClr val="tx1"/>
-              </a:solidFill>
-            </a:endParaRPr>
-          </a:p>
-          <a:p>
-            <a:pPr algn="ctr"/>
-            <a:r>
-              <a:rPr kumimoji="1" lang="en-US" altLang="ja-JP" dirty="0">
-                <a:solidFill>
-                  <a:schemeClr val="tx1"/>
-                </a:solidFill>
-              </a:rPr>
-              <a:t>(</a:t>
-            </a:r>
-            <a:r>
-              <a:rPr kumimoji="1" lang="ja-JP" altLang="en-US" dirty="0">
-                <a:solidFill>
-                  <a:schemeClr val="tx1"/>
-                </a:solidFill>
-              </a:rPr>
-              <a:t>要</a:t>
-            </a:r>
-            <a:r>
-              <a:rPr kumimoji="1" lang="en-US" altLang="ja-JP" dirty="0">
-                <a:solidFill>
-                  <a:schemeClr val="tx1"/>
-                </a:solidFill>
-              </a:rPr>
-              <a:t>)</a:t>
-            </a:r>
-            <a:endParaRPr kumimoji="1" lang="ja-JP" altLang="en-US" dirty="0">
               <a:solidFill>
                 <a:schemeClr val="tx1"/>
               </a:solidFill>
@@ -7664,41 +7497,9 @@
                   <a:schemeClr val="tx1"/>
                 </a:solidFill>
               </a:rPr>
-              <a:t>隠し部屋</a:t>
+              <a:t>階段</a:t>
             </a:r>
             <a:endParaRPr kumimoji="1" lang="en-US" altLang="ja-JP" sz="1100" dirty="0">
-              <a:solidFill>
-                <a:schemeClr val="tx1"/>
-              </a:solidFill>
-            </a:endParaRPr>
-          </a:p>
-          <a:p>
-            <a:pPr algn="ctr"/>
-            <a:r>
-              <a:rPr lang="en-US" altLang="ja-JP" sz="1100" dirty="0">
-                <a:solidFill>
-                  <a:schemeClr val="tx1"/>
-                </a:solidFill>
-              </a:rPr>
-              <a:t>(</a:t>
-            </a:r>
-            <a:r>
-              <a:rPr lang="ja-JP" altLang="en-US" sz="1100" dirty="0">
-                <a:solidFill>
-                  <a:schemeClr val="tx1"/>
-                </a:solidFill>
-              </a:rPr>
-              <a:t>地下階段</a:t>
-            </a:r>
-            <a:r>
-              <a:rPr lang="en-US" altLang="ja-JP" sz="1100" dirty="0">
-                <a:solidFill>
-                  <a:schemeClr val="tx1"/>
-                </a:solidFill>
-              </a:rPr>
-              <a:t>)</a:t>
-            </a:r>
-            <a:endParaRPr kumimoji="1" lang="ja-JP" altLang="en-US" sz="1100" dirty="0">
               <a:solidFill>
                 <a:schemeClr val="tx1"/>
               </a:solidFill>
@@ -10126,7 +9927,7 @@
         <p:spPr/>
         <p:txBody>
           <a:bodyPr>
-            <a:normAutofit fontScale="70000" lnSpcReduction="20000"/>
+            <a:normAutofit fontScale="40000" lnSpcReduction="20000"/>
           </a:bodyPr>
           <a:lstStyle/>
           <a:p>
@@ -10270,10 +10071,70 @@
             <a:endParaRPr lang="en-US" altLang="ja-JP" dirty="0"/>
           </a:p>
           <a:p>
+            <a:r>
+              <a:rPr lang="ja-JP" altLang="en-US" dirty="0"/>
+              <a:t>書斎</a:t>
+            </a:r>
+            <a:r>
+              <a:rPr lang="en-US" altLang="ja-JP" dirty="0"/>
+              <a:t>or</a:t>
+            </a:r>
+            <a:r>
+              <a:rPr lang="ja-JP" altLang="en-US" dirty="0"/>
+              <a:t>自室に隠し階段あると思われない</a:t>
+            </a:r>
+            <a:r>
+              <a:rPr lang="en-US" altLang="ja-JP" dirty="0"/>
+              <a:t>?</a:t>
+            </a:r>
+          </a:p>
+          <a:p>
+            <a:pPr lvl="1"/>
+            <a:r>
+              <a:rPr lang="ja-JP" altLang="en-US" dirty="0"/>
+              <a:t>隠し部屋をやめて、階段だけ隠す</a:t>
+            </a:r>
             <a:endParaRPr lang="en-US" altLang="ja-JP" dirty="0"/>
           </a:p>
           <a:p>
-            <a:endParaRPr kumimoji="1" lang="ja-JP" altLang="en-US" dirty="0"/>
+            <a:pPr lvl="1"/>
+            <a:r>
+              <a:rPr lang="ja-JP" altLang="en-US" dirty="0"/>
+              <a:t>地下室</a:t>
+            </a:r>
+            <a:r>
+              <a:rPr lang="en-US" altLang="ja-JP" dirty="0"/>
+              <a:t>=</a:t>
+            </a:r>
+            <a:r>
+              <a:rPr lang="ja-JP" altLang="en-US" dirty="0"/>
+              <a:t>ワインセラー跡地</a:t>
+            </a:r>
+            <a:endParaRPr lang="en-US" altLang="ja-JP" dirty="0"/>
+          </a:p>
+          <a:p>
+            <a:pPr lvl="1"/>
+            <a:r>
+              <a:rPr lang="ja-JP" altLang="en-US" dirty="0"/>
+              <a:t>元々の隠し部屋を倉庫にして、そこに通路を設ける</a:t>
+            </a:r>
+            <a:endParaRPr lang="en-US" altLang="ja-JP" dirty="0"/>
+          </a:p>
+          <a:p>
+            <a:pPr lvl="1"/>
+            <a:r>
+              <a:rPr lang="ja-JP" altLang="en-US" dirty="0"/>
+              <a:t>吸血鬼を囲ってからの地下室は使用人にも内緒</a:t>
+            </a:r>
+            <a:endParaRPr lang="en-US" altLang="ja-JP" dirty="0"/>
+          </a:p>
+          <a:p>
+            <a:pPr lvl="1"/>
+            <a:r>
+              <a:rPr lang="ja-JP" altLang="en-US" dirty="0"/>
+              <a:t>夜中使用人室前を通ったけど、書斎に居なかった</a:t>
+            </a:r>
+            <a:endParaRPr lang="en-US" altLang="ja-JP" dirty="0"/>
           </a:p>
         </p:txBody>
       </p:sp>
@@ -13895,6 +13756,10 @@
           <a:p>
             <a:pPr lvl="1"/>
             <a:r>
+              <a:rPr kumimoji="1" lang="en-US" altLang="ja-JP" dirty="0"/>
+              <a:t>//</a:t>
+            </a:r>
+            <a:r>
               <a:rPr kumimoji="1" lang="ja-JP" altLang="en-US" dirty="0"/>
               <a:t>隠し部屋当てるフェイズ</a:t>
             </a:r>
@@ -13910,6 +13775,22 @@
               <a:rPr kumimoji="1" lang="en-US" altLang="ja-JP" dirty="0"/>
               <a:t>)</a:t>
             </a:r>
+          </a:p>
+          <a:p>
+            <a:pPr lvl="2"/>
+            <a:r>
+              <a:rPr lang="ja-JP" altLang="en-US" dirty="0"/>
+              <a:t>隠し部屋を当てられる情報が撒けないので、階段探しに</a:t>
+            </a:r>
+            <a:endParaRPr lang="en-US" altLang="ja-JP" dirty="0"/>
+          </a:p>
+          <a:p>
+            <a:pPr lvl="2"/>
+            <a:r>
+              <a:rPr lang="ja-JP" altLang="en-US"/>
+              <a:t>隠し部屋開放フラグはそのまま、フラグある状態で探索すると見つける</a:t>
+            </a:r>
+            <a:endParaRPr kumimoji="1" lang="en-US" altLang="ja-JP" dirty="0"/>
           </a:p>
           <a:p>
             <a:pPr lvl="1"/>

--- a/Unity1week企画.pptx
+++ b/Unity1week企画.pptx
@@ -8218,8 +8218,12 @@
               <a:t>=&gt; </a:t>
             </a:r>
             <a:r>
-              <a:rPr lang="ja-JP" altLang="en-US" dirty="0"/>
-              <a:t>廊下で探索 </a:t>
+              <a:rPr lang="ja-JP" altLang="en-US"/>
+              <a:t>倉庫で</a:t>
+            </a:r>
+            <a:r>
+              <a:rPr lang="ja-JP" altLang="en-US" dirty="0"/>
+              <a:t>探索 </a:t>
             </a:r>
             <a:r>
               <a:rPr lang="en-US" altLang="ja-JP" dirty="0"/>
@@ -8248,6 +8252,14 @@
             <a:br>
               <a:rPr lang="en-US" altLang="ja-JP" dirty="0"/>
             </a:br>
+            <a:r>
+              <a:rPr lang="en-US" altLang="ja-JP" dirty="0"/>
+              <a:t>=&gt; </a:t>
+            </a:r>
+            <a:r>
+              <a:rPr lang="ja-JP" altLang="en-US" dirty="0"/>
+              <a:t>一緒に行くよう説得問答 </a:t>
+            </a:r>
             <a:r>
               <a:rPr lang="en-US" altLang="ja-JP" dirty="0"/>
               <a:t>=&gt; </a:t>
@@ -13787,7 +13799,7 @@
           <a:p>
             <a:pPr lvl="2"/>
             <a:r>
-              <a:rPr lang="ja-JP" altLang="en-US"/>
+              <a:rPr lang="ja-JP" altLang="en-US" dirty="0"/>
               <a:t>隠し部屋開放フラグはそのまま、フラグある状態で探索すると見つける</a:t>
             </a:r>
             <a:endParaRPr kumimoji="1" lang="en-US" altLang="ja-JP" dirty="0"/>

--- a/Unity1week企画.pptx
+++ b/Unity1week企画.pptx
@@ -5657,6 +5657,402 @@
           </p:style>
         </p:cxnSp>
       </p:grpSp>
+      <p:pic>
+        <p:nvPicPr>
+          <p:cNvPr id="4" name="図 3">
+            <a:extLst>
+              <a:ext uri="{FF2B5EF4-FFF2-40B4-BE49-F238E27FC236}">
+                <a16:creationId xmlns:a16="http://schemas.microsoft.com/office/drawing/2014/main" id="{7C938F94-0170-4EAB-9F02-B6CA49AA6BEB}"/>
+              </a:ext>
+            </a:extLst>
+          </p:cNvPr>
+          <p:cNvPicPr>
+            <a:picLocks noChangeAspect="1"/>
+          </p:cNvPicPr>
+          <p:nvPr/>
+        </p:nvPicPr>
+        <p:blipFill>
+          <a:blip r:embed="rId2">
+            <a:extLst>
+              <a:ext uri="{28A0092B-C50C-407E-A947-70E740481C1C}">
+                <a14:useLocalDpi xmlns:a14="http://schemas.microsoft.com/office/drawing/2010/main" val="0"/>
+              </a:ext>
+            </a:extLst>
+          </a:blip>
+          <a:stretch>
+            <a:fillRect/>
+          </a:stretch>
+        </p:blipFill>
+        <p:spPr>
+          <a:xfrm>
+            <a:off x="4307461" y="5128107"/>
+            <a:ext cx="1014105" cy="760579"/>
+          </a:xfrm>
+          <a:prstGeom prst="rect">
+            <a:avLst/>
+          </a:prstGeom>
+        </p:spPr>
+      </p:pic>
+      <p:pic>
+        <p:nvPicPr>
+          <p:cNvPr id="15" name="図 14">
+            <a:extLst>
+              <a:ext uri="{FF2B5EF4-FFF2-40B4-BE49-F238E27FC236}">
+                <a16:creationId xmlns:a16="http://schemas.microsoft.com/office/drawing/2014/main" id="{0E4013A1-6ED0-47BF-BDC7-210F913DF1A5}"/>
+              </a:ext>
+            </a:extLst>
+          </p:cNvPr>
+          <p:cNvPicPr>
+            <a:picLocks noChangeAspect="1"/>
+          </p:cNvPicPr>
+          <p:nvPr/>
+        </p:nvPicPr>
+        <p:blipFill>
+          <a:blip r:embed="rId3">
+            <a:extLst>
+              <a:ext uri="{28A0092B-C50C-407E-A947-70E740481C1C}">
+                <a14:useLocalDpi xmlns:a14="http://schemas.microsoft.com/office/drawing/2010/main" val="0"/>
+              </a:ext>
+            </a:extLst>
+          </a:blip>
+          <a:stretch>
+            <a:fillRect/>
+          </a:stretch>
+        </p:blipFill>
+        <p:spPr>
+          <a:xfrm>
+            <a:off x="4249657" y="3707861"/>
+            <a:ext cx="1014107" cy="760580"/>
+          </a:xfrm>
+          <a:prstGeom prst="rect">
+            <a:avLst/>
+          </a:prstGeom>
+        </p:spPr>
+      </p:pic>
+      <p:pic>
+        <p:nvPicPr>
+          <p:cNvPr id="17" name="図 16">
+            <a:extLst>
+              <a:ext uri="{FF2B5EF4-FFF2-40B4-BE49-F238E27FC236}">
+                <a16:creationId xmlns:a16="http://schemas.microsoft.com/office/drawing/2014/main" id="{97899163-934D-4AF0-B12F-9BDD6B8C9DDD}"/>
+              </a:ext>
+            </a:extLst>
+          </p:cNvPr>
+          <p:cNvPicPr>
+            <a:picLocks noChangeAspect="1"/>
+          </p:cNvPicPr>
+          <p:nvPr/>
+        </p:nvPicPr>
+        <p:blipFill>
+          <a:blip r:embed="rId4">
+            <a:extLst>
+              <a:ext uri="{28A0092B-C50C-407E-A947-70E740481C1C}">
+                <a14:useLocalDpi xmlns:a14="http://schemas.microsoft.com/office/drawing/2010/main" val="0"/>
+              </a:ext>
+            </a:extLst>
+          </a:blip>
+          <a:stretch>
+            <a:fillRect/>
+          </a:stretch>
+        </p:blipFill>
+        <p:spPr>
+          <a:xfrm>
+            <a:off x="6859159" y="3412234"/>
+            <a:ext cx="1024619" cy="768464"/>
+          </a:xfrm>
+          <a:prstGeom prst="rect">
+            <a:avLst/>
+          </a:prstGeom>
+        </p:spPr>
+      </p:pic>
+      <p:pic>
+        <p:nvPicPr>
+          <p:cNvPr id="21" name="図 20">
+            <a:extLst>
+              <a:ext uri="{FF2B5EF4-FFF2-40B4-BE49-F238E27FC236}">
+                <a16:creationId xmlns:a16="http://schemas.microsoft.com/office/drawing/2014/main" id="{3AF85A97-20EB-4405-B257-D44B30146C4F}"/>
+              </a:ext>
+            </a:extLst>
+          </p:cNvPr>
+          <p:cNvPicPr>
+            <a:picLocks noChangeAspect="1"/>
+          </p:cNvPicPr>
+          <p:nvPr/>
+        </p:nvPicPr>
+        <p:blipFill>
+          <a:blip r:embed="rId5">
+            <a:extLst>
+              <a:ext uri="{28A0092B-C50C-407E-A947-70E740481C1C}">
+                <a14:useLocalDpi xmlns:a14="http://schemas.microsoft.com/office/drawing/2010/main" val="0"/>
+              </a:ext>
+            </a:extLst>
+          </a:blip>
+          <a:stretch>
+            <a:fillRect/>
+          </a:stretch>
+        </p:blipFill>
+        <p:spPr>
+          <a:xfrm>
+            <a:off x="6823672" y="5107420"/>
+            <a:ext cx="965881" cy="724411"/>
+          </a:xfrm>
+          <a:prstGeom prst="rect">
+            <a:avLst/>
+          </a:prstGeom>
+        </p:spPr>
+      </p:pic>
+      <p:pic>
+        <p:nvPicPr>
+          <p:cNvPr id="25" name="図 24">
+            <a:extLst>
+              <a:ext uri="{FF2B5EF4-FFF2-40B4-BE49-F238E27FC236}">
+                <a16:creationId xmlns:a16="http://schemas.microsoft.com/office/drawing/2014/main" id="{A47374E3-BEBA-4354-B9C8-A0445CA02C33}"/>
+              </a:ext>
+            </a:extLst>
+          </p:cNvPr>
+          <p:cNvPicPr>
+            <a:picLocks noChangeAspect="1"/>
+          </p:cNvPicPr>
+          <p:nvPr/>
+        </p:nvPicPr>
+        <p:blipFill>
+          <a:blip r:embed="rId6">
+            <a:extLst>
+              <a:ext uri="{28A0092B-C50C-407E-A947-70E740481C1C}">
+                <a14:useLocalDpi xmlns:a14="http://schemas.microsoft.com/office/drawing/2010/main" val="0"/>
+              </a:ext>
+            </a:extLst>
+          </a:blip>
+          <a:stretch>
+            <a:fillRect/>
+          </a:stretch>
+        </p:blipFill>
+        <p:spPr>
+          <a:xfrm>
+            <a:off x="352871" y="2335965"/>
+            <a:ext cx="1223145" cy="917359"/>
+          </a:xfrm>
+          <a:prstGeom prst="rect">
+            <a:avLst/>
+          </a:prstGeom>
+        </p:spPr>
+      </p:pic>
+      <p:pic>
+        <p:nvPicPr>
+          <p:cNvPr id="27" name="図 26">
+            <a:extLst>
+              <a:ext uri="{FF2B5EF4-FFF2-40B4-BE49-F238E27FC236}">
+                <a16:creationId xmlns:a16="http://schemas.microsoft.com/office/drawing/2014/main" id="{2B8C9BBC-DC86-4ABD-A011-4DF8D43C71EA}"/>
+              </a:ext>
+            </a:extLst>
+          </p:cNvPr>
+          <p:cNvPicPr>
+            <a:picLocks noChangeAspect="1"/>
+          </p:cNvPicPr>
+          <p:nvPr/>
+        </p:nvPicPr>
+        <p:blipFill>
+          <a:blip r:embed="rId7">
+            <a:extLst>
+              <a:ext uri="{28A0092B-C50C-407E-A947-70E740481C1C}">
+                <a14:useLocalDpi xmlns:a14="http://schemas.microsoft.com/office/drawing/2010/main" val="0"/>
+              </a:ext>
+            </a:extLst>
+          </a:blip>
+          <a:stretch>
+            <a:fillRect/>
+          </a:stretch>
+        </p:blipFill>
+        <p:spPr>
+          <a:xfrm>
+            <a:off x="272478" y="3520530"/>
+            <a:ext cx="1214412" cy="910809"/>
+          </a:xfrm>
+          <a:prstGeom prst="rect">
+            <a:avLst/>
+          </a:prstGeom>
+        </p:spPr>
+      </p:pic>
+      <p:pic>
+        <p:nvPicPr>
+          <p:cNvPr id="65" name="図 64">
+            <a:extLst>
+              <a:ext uri="{FF2B5EF4-FFF2-40B4-BE49-F238E27FC236}">
+                <a16:creationId xmlns:a16="http://schemas.microsoft.com/office/drawing/2014/main" id="{E0C52E94-5A3C-4B79-80F9-C993008ACD1D}"/>
+              </a:ext>
+            </a:extLst>
+          </p:cNvPr>
+          <p:cNvPicPr>
+            <a:picLocks noChangeAspect="1"/>
+          </p:cNvPicPr>
+          <p:nvPr/>
+        </p:nvPicPr>
+        <p:blipFill>
+          <a:blip r:embed="rId7">
+            <a:extLst>
+              <a:ext uri="{28A0092B-C50C-407E-A947-70E740481C1C}">
+                <a14:useLocalDpi xmlns:a14="http://schemas.microsoft.com/office/drawing/2010/main" val="0"/>
+              </a:ext>
+            </a:extLst>
+          </a:blip>
+          <a:stretch>
+            <a:fillRect/>
+          </a:stretch>
+        </p:blipFill>
+        <p:spPr>
+          <a:xfrm>
+            <a:off x="263580" y="4754087"/>
+            <a:ext cx="1214412" cy="910809"/>
+          </a:xfrm>
+          <a:prstGeom prst="rect">
+            <a:avLst/>
+          </a:prstGeom>
+        </p:spPr>
+      </p:pic>
+      <p:pic>
+        <p:nvPicPr>
+          <p:cNvPr id="29" name="図 28">
+            <a:extLst>
+              <a:ext uri="{FF2B5EF4-FFF2-40B4-BE49-F238E27FC236}">
+                <a16:creationId xmlns:a16="http://schemas.microsoft.com/office/drawing/2014/main" id="{CDB4A6D3-53A5-48FF-BED8-C7A76CD03AA5}"/>
+              </a:ext>
+            </a:extLst>
+          </p:cNvPr>
+          <p:cNvPicPr>
+            <a:picLocks noChangeAspect="1"/>
+          </p:cNvPicPr>
+          <p:nvPr/>
+        </p:nvPicPr>
+        <p:blipFill>
+          <a:blip r:embed="rId8">
+            <a:extLst>
+              <a:ext uri="{28A0092B-C50C-407E-A947-70E740481C1C}">
+                <a14:useLocalDpi xmlns:a14="http://schemas.microsoft.com/office/drawing/2010/main" val="0"/>
+              </a:ext>
+            </a:extLst>
+          </a:blip>
+          <a:stretch>
+            <a:fillRect/>
+          </a:stretch>
+        </p:blipFill>
+        <p:spPr>
+          <a:xfrm>
+            <a:off x="2245332" y="2176934"/>
+            <a:ext cx="1012897" cy="759673"/>
+          </a:xfrm>
+          <a:prstGeom prst="rect">
+            <a:avLst/>
+          </a:prstGeom>
+        </p:spPr>
+      </p:pic>
+      <p:pic>
+        <p:nvPicPr>
+          <p:cNvPr id="66" name="図 65">
+            <a:extLst>
+              <a:ext uri="{FF2B5EF4-FFF2-40B4-BE49-F238E27FC236}">
+                <a16:creationId xmlns:a16="http://schemas.microsoft.com/office/drawing/2014/main" id="{897A5D02-7B69-417C-97D3-8BB469A115B3}"/>
+              </a:ext>
+            </a:extLst>
+          </p:cNvPr>
+          <p:cNvPicPr>
+            <a:picLocks noChangeAspect="1"/>
+          </p:cNvPicPr>
+          <p:nvPr/>
+        </p:nvPicPr>
+        <p:blipFill>
+          <a:blip r:embed="rId8">
+            <a:extLst>
+              <a:ext uri="{28A0092B-C50C-407E-A947-70E740481C1C}">
+                <a14:useLocalDpi xmlns:a14="http://schemas.microsoft.com/office/drawing/2010/main" val="0"/>
+              </a:ext>
+            </a:extLst>
+          </a:blip>
+          <a:stretch>
+            <a:fillRect/>
+          </a:stretch>
+        </p:blipFill>
+        <p:spPr>
+          <a:xfrm>
+            <a:off x="6112408" y="2117278"/>
+            <a:ext cx="1012897" cy="759673"/>
+          </a:xfrm>
+          <a:prstGeom prst="rect">
+            <a:avLst/>
+          </a:prstGeom>
+        </p:spPr>
+      </p:pic>
+      <p:pic>
+        <p:nvPicPr>
+          <p:cNvPr id="40" name="図 39">
+            <a:extLst>
+              <a:ext uri="{FF2B5EF4-FFF2-40B4-BE49-F238E27FC236}">
+                <a16:creationId xmlns:a16="http://schemas.microsoft.com/office/drawing/2014/main" id="{749BA3E2-460E-4016-B431-662CF813DCCF}"/>
+              </a:ext>
+            </a:extLst>
+          </p:cNvPr>
+          <p:cNvPicPr>
+            <a:picLocks noChangeAspect="1"/>
+          </p:cNvPicPr>
+          <p:nvPr/>
+        </p:nvPicPr>
+        <p:blipFill>
+          <a:blip r:embed="rId9">
+            <a:extLst>
+              <a:ext uri="{28A0092B-C50C-407E-A947-70E740481C1C}">
+                <a14:useLocalDpi xmlns:a14="http://schemas.microsoft.com/office/drawing/2010/main" val="0"/>
+              </a:ext>
+            </a:extLst>
+          </a:blip>
+          <a:stretch>
+            <a:fillRect/>
+          </a:stretch>
+        </p:blipFill>
+        <p:spPr>
+          <a:xfrm>
+            <a:off x="4369295" y="2196636"/>
+            <a:ext cx="1011657" cy="758743"/>
+          </a:xfrm>
+          <a:prstGeom prst="rect">
+            <a:avLst/>
+          </a:prstGeom>
+        </p:spPr>
+      </p:pic>
+      <p:pic>
+        <p:nvPicPr>
+          <p:cNvPr id="43" name="図 42">
+            <a:extLst>
+              <a:ext uri="{FF2B5EF4-FFF2-40B4-BE49-F238E27FC236}">
+                <a16:creationId xmlns:a16="http://schemas.microsoft.com/office/drawing/2014/main" id="{656C8884-559A-4F35-8D79-363794DB000B}"/>
+              </a:ext>
+            </a:extLst>
+          </p:cNvPr>
+          <p:cNvPicPr>
+            <a:picLocks noChangeAspect="1"/>
+          </p:cNvPicPr>
+          <p:nvPr/>
+        </p:nvPicPr>
+        <p:blipFill>
+          <a:blip r:embed="rId10">
+            <a:extLst>
+              <a:ext uri="{28A0092B-C50C-407E-A947-70E740481C1C}">
+                <a14:useLocalDpi xmlns:a14="http://schemas.microsoft.com/office/drawing/2010/main" val="0"/>
+              </a:ext>
+            </a:extLst>
+          </a:blip>
+          <a:stretch>
+            <a:fillRect/>
+          </a:stretch>
+        </p:blipFill>
+        <p:spPr>
+          <a:xfrm>
+            <a:off x="3552323" y="5929070"/>
+            <a:ext cx="1065475" cy="799106"/>
+          </a:xfrm>
+          <a:prstGeom prst="rect">
+            <a:avLst/>
+          </a:prstGeom>
+        </p:spPr>
+      </p:pic>
     </p:spTree>
     <p:extLst>
       <p:ext uri="{BB962C8B-B14F-4D97-AF65-F5344CB8AC3E}">
@@ -7312,6 +7708,294 @@
           </a:p>
         </p:txBody>
       </p:sp>
+      <p:pic>
+        <p:nvPicPr>
+          <p:cNvPr id="5" name="図 4">
+            <a:extLst>
+              <a:ext uri="{FF2B5EF4-FFF2-40B4-BE49-F238E27FC236}">
+                <a16:creationId xmlns:a16="http://schemas.microsoft.com/office/drawing/2014/main" id="{BA28897C-1359-4433-B6CD-A097073D2ECE}"/>
+              </a:ext>
+            </a:extLst>
+          </p:cNvPr>
+          <p:cNvPicPr>
+            <a:picLocks noChangeAspect="1"/>
+          </p:cNvPicPr>
+          <p:nvPr/>
+        </p:nvPicPr>
+        <p:blipFill>
+          <a:blip r:embed="rId2">
+            <a:extLst>
+              <a:ext uri="{28A0092B-C50C-407E-A947-70E740481C1C}">
+                <a14:useLocalDpi xmlns:a14="http://schemas.microsoft.com/office/drawing/2010/main" val="0"/>
+              </a:ext>
+            </a:extLst>
+          </a:blip>
+          <a:stretch>
+            <a:fillRect/>
+          </a:stretch>
+        </p:blipFill>
+        <p:spPr>
+          <a:xfrm>
+            <a:off x="6318823" y="1982873"/>
+            <a:ext cx="1348014" cy="1011011"/>
+          </a:xfrm>
+          <a:prstGeom prst="rect">
+            <a:avLst/>
+          </a:prstGeom>
+        </p:spPr>
+      </p:pic>
+      <p:pic>
+        <p:nvPicPr>
+          <p:cNvPr id="38" name="図 37">
+            <a:extLst>
+              <a:ext uri="{FF2B5EF4-FFF2-40B4-BE49-F238E27FC236}">
+                <a16:creationId xmlns:a16="http://schemas.microsoft.com/office/drawing/2014/main" id="{87EC889A-7CAE-420D-9F6A-92E77F6EB0D5}"/>
+              </a:ext>
+            </a:extLst>
+          </p:cNvPr>
+          <p:cNvPicPr>
+            <a:picLocks noChangeAspect="1"/>
+          </p:cNvPicPr>
+          <p:nvPr/>
+        </p:nvPicPr>
+        <p:blipFill>
+          <a:blip r:embed="rId2">
+            <a:extLst>
+              <a:ext uri="{28A0092B-C50C-407E-A947-70E740481C1C}">
+                <a14:useLocalDpi xmlns:a14="http://schemas.microsoft.com/office/drawing/2010/main" val="0"/>
+              </a:ext>
+            </a:extLst>
+          </a:blip>
+          <a:stretch>
+            <a:fillRect/>
+          </a:stretch>
+        </p:blipFill>
+        <p:spPr>
+          <a:xfrm>
+            <a:off x="6379429" y="3475832"/>
+            <a:ext cx="1348014" cy="1011011"/>
+          </a:xfrm>
+          <a:prstGeom prst="rect">
+            <a:avLst/>
+          </a:prstGeom>
+        </p:spPr>
+      </p:pic>
+      <p:pic>
+        <p:nvPicPr>
+          <p:cNvPr id="41" name="図 40">
+            <a:extLst>
+              <a:ext uri="{FF2B5EF4-FFF2-40B4-BE49-F238E27FC236}">
+                <a16:creationId xmlns:a16="http://schemas.microsoft.com/office/drawing/2014/main" id="{D4FBD8E2-B1E0-4F0A-B9FE-9FEF2051097B}"/>
+              </a:ext>
+            </a:extLst>
+          </p:cNvPr>
+          <p:cNvPicPr>
+            <a:picLocks noChangeAspect="1"/>
+          </p:cNvPicPr>
+          <p:nvPr/>
+        </p:nvPicPr>
+        <p:blipFill>
+          <a:blip r:embed="rId2">
+            <a:extLst>
+              <a:ext uri="{28A0092B-C50C-407E-A947-70E740481C1C}">
+                <a14:useLocalDpi xmlns:a14="http://schemas.microsoft.com/office/drawing/2010/main" val="0"/>
+              </a:ext>
+            </a:extLst>
+          </a:blip>
+          <a:stretch>
+            <a:fillRect/>
+          </a:stretch>
+        </p:blipFill>
+        <p:spPr>
+          <a:xfrm>
+            <a:off x="6406741" y="4735074"/>
+            <a:ext cx="1348014" cy="1011011"/>
+          </a:xfrm>
+          <a:prstGeom prst="rect">
+            <a:avLst/>
+          </a:prstGeom>
+        </p:spPr>
+      </p:pic>
+      <p:pic>
+        <p:nvPicPr>
+          <p:cNvPr id="44" name="図 43">
+            <a:extLst>
+              <a:ext uri="{FF2B5EF4-FFF2-40B4-BE49-F238E27FC236}">
+                <a16:creationId xmlns:a16="http://schemas.microsoft.com/office/drawing/2014/main" id="{FC0D40EC-3458-48BF-AD33-51FDF7C42232}"/>
+              </a:ext>
+            </a:extLst>
+          </p:cNvPr>
+          <p:cNvPicPr>
+            <a:picLocks noChangeAspect="1"/>
+          </p:cNvPicPr>
+          <p:nvPr/>
+        </p:nvPicPr>
+        <p:blipFill>
+          <a:blip r:embed="rId2">
+            <a:extLst>
+              <a:ext uri="{28A0092B-C50C-407E-A947-70E740481C1C}">
+                <a14:useLocalDpi xmlns:a14="http://schemas.microsoft.com/office/drawing/2010/main" val="0"/>
+              </a:ext>
+            </a:extLst>
+          </a:blip>
+          <a:stretch>
+            <a:fillRect/>
+          </a:stretch>
+        </p:blipFill>
+        <p:spPr>
+          <a:xfrm>
+            <a:off x="3395639" y="1812375"/>
+            <a:ext cx="1348014" cy="1011011"/>
+          </a:xfrm>
+          <a:prstGeom prst="rect">
+            <a:avLst/>
+          </a:prstGeom>
+        </p:spPr>
+      </p:pic>
+      <p:pic>
+        <p:nvPicPr>
+          <p:cNvPr id="45" name="図 44">
+            <a:extLst>
+              <a:ext uri="{FF2B5EF4-FFF2-40B4-BE49-F238E27FC236}">
+                <a16:creationId xmlns:a16="http://schemas.microsoft.com/office/drawing/2014/main" id="{82781465-861D-4711-A440-5452C1B5C30D}"/>
+              </a:ext>
+            </a:extLst>
+          </p:cNvPr>
+          <p:cNvPicPr>
+            <a:picLocks noChangeAspect="1"/>
+          </p:cNvPicPr>
+          <p:nvPr/>
+        </p:nvPicPr>
+        <p:blipFill>
+          <a:blip r:embed="rId2">
+            <a:extLst>
+              <a:ext uri="{28A0092B-C50C-407E-A947-70E740481C1C}">
+                <a14:useLocalDpi xmlns:a14="http://schemas.microsoft.com/office/drawing/2010/main" val="0"/>
+              </a:ext>
+            </a:extLst>
+          </a:blip>
+          <a:stretch>
+            <a:fillRect/>
+          </a:stretch>
+        </p:blipFill>
+        <p:spPr>
+          <a:xfrm>
+            <a:off x="374060" y="3385828"/>
+            <a:ext cx="1348014" cy="1011011"/>
+          </a:xfrm>
+          <a:prstGeom prst="rect">
+            <a:avLst/>
+          </a:prstGeom>
+        </p:spPr>
+      </p:pic>
+      <p:pic>
+        <p:nvPicPr>
+          <p:cNvPr id="46" name="図 45">
+            <a:extLst>
+              <a:ext uri="{FF2B5EF4-FFF2-40B4-BE49-F238E27FC236}">
+                <a16:creationId xmlns:a16="http://schemas.microsoft.com/office/drawing/2014/main" id="{B33731EB-6B3B-4790-AA9D-7621AE5F071F}"/>
+              </a:ext>
+            </a:extLst>
+          </p:cNvPr>
+          <p:cNvPicPr>
+            <a:picLocks noChangeAspect="1"/>
+          </p:cNvPicPr>
+          <p:nvPr/>
+        </p:nvPicPr>
+        <p:blipFill>
+          <a:blip r:embed="rId2">
+            <a:extLst>
+              <a:ext uri="{28A0092B-C50C-407E-A947-70E740481C1C}">
+                <a14:useLocalDpi xmlns:a14="http://schemas.microsoft.com/office/drawing/2010/main" val="0"/>
+              </a:ext>
+            </a:extLst>
+          </a:blip>
+          <a:stretch>
+            <a:fillRect/>
+          </a:stretch>
+        </p:blipFill>
+        <p:spPr>
+          <a:xfrm>
+            <a:off x="390312" y="4708207"/>
+            <a:ext cx="1348014" cy="1011011"/>
+          </a:xfrm>
+          <a:prstGeom prst="rect">
+            <a:avLst/>
+          </a:prstGeom>
+        </p:spPr>
+      </p:pic>
+      <p:pic>
+        <p:nvPicPr>
+          <p:cNvPr id="9" name="図 8">
+            <a:extLst>
+              <a:ext uri="{FF2B5EF4-FFF2-40B4-BE49-F238E27FC236}">
+                <a16:creationId xmlns:a16="http://schemas.microsoft.com/office/drawing/2014/main" id="{8F468E52-6AA4-45FE-AE19-92BE921A57C8}"/>
+              </a:ext>
+            </a:extLst>
+          </p:cNvPr>
+          <p:cNvPicPr>
+            <a:picLocks noChangeAspect="1"/>
+          </p:cNvPicPr>
+          <p:nvPr/>
+        </p:nvPicPr>
+        <p:blipFill>
+          <a:blip r:embed="rId3">
+            <a:extLst>
+              <a:ext uri="{28A0092B-C50C-407E-A947-70E740481C1C}">
+                <a14:useLocalDpi xmlns:a14="http://schemas.microsoft.com/office/drawing/2010/main" val="0"/>
+              </a:ext>
+            </a:extLst>
+          </a:blip>
+          <a:stretch>
+            <a:fillRect/>
+          </a:stretch>
+        </p:blipFill>
+        <p:spPr>
+          <a:xfrm>
+            <a:off x="351141" y="1981992"/>
+            <a:ext cx="1399146" cy="1049360"/>
+          </a:xfrm>
+          <a:prstGeom prst="rect">
+            <a:avLst/>
+          </a:prstGeom>
+        </p:spPr>
+      </p:pic>
+      <p:pic>
+        <p:nvPicPr>
+          <p:cNvPr id="12" name="図 11">
+            <a:extLst>
+              <a:ext uri="{FF2B5EF4-FFF2-40B4-BE49-F238E27FC236}">
+                <a16:creationId xmlns:a16="http://schemas.microsoft.com/office/drawing/2014/main" id="{B8D4720F-DD74-4DF4-A3F9-FA34B4AEACE3}"/>
+              </a:ext>
+            </a:extLst>
+          </p:cNvPr>
+          <p:cNvPicPr>
+            <a:picLocks noChangeAspect="1"/>
+          </p:cNvPicPr>
+          <p:nvPr/>
+        </p:nvPicPr>
+        <p:blipFill>
+          <a:blip r:embed="rId4">
+            <a:extLst>
+              <a:ext uri="{28A0092B-C50C-407E-A947-70E740481C1C}">
+                <a14:useLocalDpi xmlns:a14="http://schemas.microsoft.com/office/drawing/2010/main" val="0"/>
+              </a:ext>
+            </a:extLst>
+          </a:blip>
+          <a:stretch>
+            <a:fillRect/>
+          </a:stretch>
+        </p:blipFill>
+        <p:spPr>
+          <a:xfrm>
+            <a:off x="3359921" y="3451415"/>
+            <a:ext cx="882869" cy="662152"/>
+          </a:xfrm>
+          <a:prstGeom prst="rect">
+            <a:avLst/>
+          </a:prstGeom>
+        </p:spPr>
+      </p:pic>
     </p:spTree>
     <p:extLst>
       <p:ext uri="{BB962C8B-B14F-4D97-AF65-F5344CB8AC3E}">
@@ -7507,6 +8191,114 @@
           </a:p>
         </p:txBody>
       </p:sp>
+      <p:pic>
+        <p:nvPicPr>
+          <p:cNvPr id="4" name="図 3">
+            <a:extLst>
+              <a:ext uri="{FF2B5EF4-FFF2-40B4-BE49-F238E27FC236}">
+                <a16:creationId xmlns:a16="http://schemas.microsoft.com/office/drawing/2014/main" id="{533953E7-E66E-46DA-863C-2B450FC4D818}"/>
+              </a:ext>
+            </a:extLst>
+          </p:cNvPr>
+          <p:cNvPicPr>
+            <a:picLocks noChangeAspect="1"/>
+          </p:cNvPicPr>
+          <p:nvPr/>
+        </p:nvPicPr>
+        <p:blipFill>
+          <a:blip r:embed="rId2">
+            <a:extLst>
+              <a:ext uri="{28A0092B-C50C-407E-A947-70E740481C1C}">
+                <a14:useLocalDpi xmlns:a14="http://schemas.microsoft.com/office/drawing/2010/main" val="0"/>
+              </a:ext>
+            </a:extLst>
+          </a:blip>
+          <a:stretch>
+            <a:fillRect/>
+          </a:stretch>
+        </p:blipFill>
+        <p:spPr>
+          <a:xfrm>
+            <a:off x="3940629" y="2095602"/>
+            <a:ext cx="1242059" cy="828039"/>
+          </a:xfrm>
+          <a:prstGeom prst="rect">
+            <a:avLst/>
+          </a:prstGeom>
+        </p:spPr>
+      </p:pic>
+      <p:pic>
+        <p:nvPicPr>
+          <p:cNvPr id="6" name="図 5">
+            <a:extLst>
+              <a:ext uri="{FF2B5EF4-FFF2-40B4-BE49-F238E27FC236}">
+                <a16:creationId xmlns:a16="http://schemas.microsoft.com/office/drawing/2014/main" id="{567119C6-3CF1-45FD-9540-DE0446A4AD90}"/>
+              </a:ext>
+            </a:extLst>
+          </p:cNvPr>
+          <p:cNvPicPr>
+            <a:picLocks noChangeAspect="1"/>
+          </p:cNvPicPr>
+          <p:nvPr/>
+        </p:nvPicPr>
+        <p:blipFill>
+          <a:blip r:embed="rId3">
+            <a:extLst>
+              <a:ext uri="{28A0092B-C50C-407E-A947-70E740481C1C}">
+                <a14:useLocalDpi xmlns:a14="http://schemas.microsoft.com/office/drawing/2010/main" val="0"/>
+              </a:ext>
+            </a:extLst>
+          </a:blip>
+          <a:stretch>
+            <a:fillRect/>
+          </a:stretch>
+        </p:blipFill>
+        <p:spPr>
+          <a:xfrm>
+            <a:off x="5899820" y="2524998"/>
+            <a:ext cx="1028938" cy="1543407"/>
+          </a:xfrm>
+          <a:prstGeom prst="rect">
+            <a:avLst/>
+          </a:prstGeom>
+        </p:spPr>
+      </p:pic>
+      <p:pic>
+        <p:nvPicPr>
+          <p:cNvPr id="8" name="図 7">
+            <a:extLst>
+              <a:ext uri="{FF2B5EF4-FFF2-40B4-BE49-F238E27FC236}">
+                <a16:creationId xmlns:a16="http://schemas.microsoft.com/office/drawing/2014/main" id="{95012AFB-5C63-4B43-AEA7-48BCC42A5961}"/>
+              </a:ext>
+            </a:extLst>
+          </p:cNvPr>
+          <p:cNvPicPr>
+            <a:picLocks noChangeAspect="1"/>
+          </p:cNvPicPr>
+          <p:nvPr/>
+        </p:nvPicPr>
+        <p:blipFill>
+          <a:blip r:embed="rId4">
+            <a:extLst>
+              <a:ext uri="{28A0092B-C50C-407E-A947-70E740481C1C}">
+                <a14:useLocalDpi xmlns:a14="http://schemas.microsoft.com/office/drawing/2010/main" val="0"/>
+              </a:ext>
+            </a:extLst>
+          </a:blip>
+          <a:stretch>
+            <a:fillRect/>
+          </a:stretch>
+        </p:blipFill>
+        <p:spPr>
+          <a:xfrm>
+            <a:off x="7610047" y="1136085"/>
+            <a:ext cx="2887028" cy="2483295"/>
+          </a:xfrm>
+          <a:prstGeom prst="rect">
+            <a:avLst/>
+          </a:prstGeom>
+        </p:spPr>
+      </p:pic>
     </p:spTree>
     <p:extLst>
       <p:ext uri="{BB962C8B-B14F-4D97-AF65-F5344CB8AC3E}">
@@ -8218,12 +9010,8 @@
               <a:t>=&gt; </a:t>
             </a:r>
             <a:r>
-              <a:rPr lang="ja-JP" altLang="en-US"/>
-              <a:t>倉庫で</a:t>
-            </a:r>
-            <a:r>
-              <a:rPr lang="ja-JP" altLang="en-US" dirty="0"/>
-              <a:t>探索 </a:t>
+              <a:rPr lang="ja-JP" altLang="en-US" dirty="0"/>
+              <a:t>倉庫で探索 </a:t>
             </a:r>
             <a:r>
               <a:rPr lang="en-US" altLang="ja-JP" dirty="0"/>

--- a/Unity1week企画.pptx
+++ b/Unity1week企画.pptx
@@ -290,7 +290,7 @@
           <a:p>
             <a:fld id="{ADD8B1C5-9959-4BD7-95A7-9D0118CD9ACF}" type="datetimeFigureOut">
               <a:rPr kumimoji="1" lang="ja-JP" altLang="en-US" smtClean="0"/>
-              <a:t>2019/10/19</a:t>
+              <a:t>2019/10/21</a:t>
             </a:fld>
             <a:endParaRPr kumimoji="1" lang="ja-JP" altLang="en-US"/>
           </a:p>
@@ -520,7 +520,7 @@
           <a:p>
             <a:fld id="{ADD8B1C5-9959-4BD7-95A7-9D0118CD9ACF}" type="datetimeFigureOut">
               <a:rPr kumimoji="1" lang="ja-JP" altLang="en-US" smtClean="0"/>
-              <a:t>2019/10/19</a:t>
+              <a:t>2019/10/21</a:t>
             </a:fld>
             <a:endParaRPr kumimoji="1" lang="ja-JP" altLang="en-US"/>
           </a:p>
@@ -760,7 +760,7 @@
           <a:p>
             <a:fld id="{ADD8B1C5-9959-4BD7-95A7-9D0118CD9ACF}" type="datetimeFigureOut">
               <a:rPr kumimoji="1" lang="ja-JP" altLang="en-US" smtClean="0"/>
-              <a:t>2019/10/19</a:t>
+              <a:t>2019/10/21</a:t>
             </a:fld>
             <a:endParaRPr kumimoji="1" lang="ja-JP" altLang="en-US"/>
           </a:p>
@@ -990,7 +990,7 @@
           <a:p>
             <a:fld id="{ADD8B1C5-9959-4BD7-95A7-9D0118CD9ACF}" type="datetimeFigureOut">
               <a:rPr kumimoji="1" lang="ja-JP" altLang="en-US" smtClean="0"/>
-              <a:t>2019/10/19</a:t>
+              <a:t>2019/10/21</a:t>
             </a:fld>
             <a:endParaRPr kumimoji="1" lang="ja-JP" altLang="en-US"/>
           </a:p>
@@ -1265,7 +1265,7 @@
           <a:p>
             <a:fld id="{ADD8B1C5-9959-4BD7-95A7-9D0118CD9ACF}" type="datetimeFigureOut">
               <a:rPr kumimoji="1" lang="ja-JP" altLang="en-US" smtClean="0"/>
-              <a:t>2019/10/19</a:t>
+              <a:t>2019/10/21</a:t>
             </a:fld>
             <a:endParaRPr kumimoji="1" lang="ja-JP" altLang="en-US"/>
           </a:p>
@@ -1594,7 +1594,7 @@
           <a:p>
             <a:fld id="{ADD8B1C5-9959-4BD7-95A7-9D0118CD9ACF}" type="datetimeFigureOut">
               <a:rPr kumimoji="1" lang="ja-JP" altLang="en-US" smtClean="0"/>
-              <a:t>2019/10/19</a:t>
+              <a:t>2019/10/21</a:t>
             </a:fld>
             <a:endParaRPr kumimoji="1" lang="ja-JP" altLang="en-US"/>
           </a:p>
@@ -2070,7 +2070,7 @@
           <a:p>
             <a:fld id="{ADD8B1C5-9959-4BD7-95A7-9D0118CD9ACF}" type="datetimeFigureOut">
               <a:rPr kumimoji="1" lang="ja-JP" altLang="en-US" smtClean="0"/>
-              <a:t>2019/10/19</a:t>
+              <a:t>2019/10/21</a:t>
             </a:fld>
             <a:endParaRPr kumimoji="1" lang="ja-JP" altLang="en-US"/>
           </a:p>
@@ -2211,7 +2211,7 @@
           <a:p>
             <a:fld id="{ADD8B1C5-9959-4BD7-95A7-9D0118CD9ACF}" type="datetimeFigureOut">
               <a:rPr kumimoji="1" lang="ja-JP" altLang="en-US" smtClean="0"/>
-              <a:t>2019/10/19</a:t>
+              <a:t>2019/10/21</a:t>
             </a:fld>
             <a:endParaRPr kumimoji="1" lang="ja-JP" altLang="en-US"/>
           </a:p>
@@ -2324,7 +2324,7 @@
           <a:p>
             <a:fld id="{ADD8B1C5-9959-4BD7-95A7-9D0118CD9ACF}" type="datetimeFigureOut">
               <a:rPr kumimoji="1" lang="ja-JP" altLang="en-US" smtClean="0"/>
-              <a:t>2019/10/19</a:t>
+              <a:t>2019/10/21</a:t>
             </a:fld>
             <a:endParaRPr kumimoji="1" lang="ja-JP" altLang="en-US"/>
           </a:p>
@@ -2667,7 +2667,7 @@
           <a:p>
             <a:fld id="{ADD8B1C5-9959-4BD7-95A7-9D0118CD9ACF}" type="datetimeFigureOut">
               <a:rPr kumimoji="1" lang="ja-JP" altLang="en-US" smtClean="0"/>
-              <a:t>2019/10/19</a:t>
+              <a:t>2019/10/21</a:t>
             </a:fld>
             <a:endParaRPr kumimoji="1" lang="ja-JP" altLang="en-US"/>
           </a:p>
@@ -2955,7 +2955,7 @@
           <a:p>
             <a:fld id="{ADD8B1C5-9959-4BD7-95A7-9D0118CD9ACF}" type="datetimeFigureOut">
               <a:rPr kumimoji="1" lang="ja-JP" altLang="en-US" smtClean="0"/>
-              <a:t>2019/10/19</a:t>
+              <a:t>2019/10/21</a:t>
             </a:fld>
             <a:endParaRPr kumimoji="1" lang="ja-JP" altLang="en-US"/>
           </a:p>
@@ -3228,7 +3228,7 @@
           <a:p>
             <a:fld id="{ADD8B1C5-9959-4BD7-95A7-9D0118CD9ACF}" type="datetimeFigureOut">
               <a:rPr kumimoji="1" lang="ja-JP" altLang="en-US" smtClean="0"/>
-              <a:t>2019/10/19</a:t>
+              <a:t>2019/10/21</a:t>
             </a:fld>
             <a:endParaRPr kumimoji="1" lang="ja-JP" altLang="en-US"/>
           </a:p>
@@ -3825,18 +3825,13 @@
           <a:p>
             <a:pPr algn="ctr"/>
             <a:r>
-              <a:rPr lang="ja-JP" altLang="en-US" dirty="0">
+              <a:rPr kumimoji="1" lang="ja-JP" altLang="en-US" dirty="0">
                 <a:solidFill>
                   <a:schemeClr val="tx1"/>
                 </a:solidFill>
               </a:rPr>
-              <a:t>ホール</a:t>
-            </a:r>
-            <a:endParaRPr kumimoji="1" lang="ja-JP" altLang="en-US" dirty="0">
-              <a:solidFill>
-                <a:schemeClr val="tx1"/>
-              </a:solidFill>
-            </a:endParaRPr>
+              <a:t>ロビー</a:t>
+            </a:r>
           </a:p>
         </p:txBody>
       </p:sp>
@@ -8654,9 +8649,24 @@
           <a:p>
             <a:pPr lvl="1"/>
             <a:r>
+              <a:rPr lang="ja-JP" altLang="en-US" dirty="0"/>
+              <a:t>館の魔術</a:t>
+            </a:r>
+            <a:r>
               <a:rPr lang="en-US" altLang="ja-JP" dirty="0"/>
-              <a:t>//</a:t>
-            </a:r>
+              <a:t>(</a:t>
+            </a:r>
+            <a:r>
+              <a:rPr lang="ja-JP" altLang="en-US" dirty="0"/>
+              <a:t>魅了であること、効果、解除に血が必要なこと</a:t>
+            </a:r>
+            <a:r>
+              <a:rPr lang="en-US" altLang="ja-JP" dirty="0"/>
+              <a:t>)</a:t>
+            </a:r>
+          </a:p>
+          <a:p>
+            <a:pPr lvl="1"/>
             <a:r>
               <a:rPr lang="ja-JP" altLang="en-US" dirty="0"/>
               <a:t>館の魔術の術者であること </a:t>
@@ -8709,18 +8719,17 @@
             </a:r>
           </a:p>
           <a:p>
+            <a:r>
+              <a:rPr lang="ja-JP" altLang="en-US" dirty="0"/>
+              <a:t>先人探索者の手記</a:t>
+            </a:r>
+            <a:endParaRPr lang="en-US" altLang="ja-JP" dirty="0"/>
+          </a:p>
+          <a:p>
             <a:pPr lvl="1"/>
             <a:r>
               <a:rPr lang="ja-JP" altLang="en-US" dirty="0"/>
-              <a:t>タイムリミット</a:t>
-            </a:r>
-            <a:r>
-              <a:rPr lang="en-US" altLang="ja-JP" dirty="0"/>
-              <a:t>/</a:t>
-            </a:r>
-            <a:r>
-              <a:rPr lang="ja-JP" altLang="en-US" dirty="0"/>
-              <a:t>要ヒント</a:t>
+              <a:t>要のヒント</a:t>
             </a:r>
             <a:r>
               <a:rPr lang="en-US" altLang="ja-JP" dirty="0"/>
@@ -8728,58 +8737,20 @@
             </a:r>
             <a:r>
               <a:rPr lang="ja-JP" altLang="en-US" dirty="0"/>
-              <a:t>離れたいのに離れられない気持ち悪さ</a:t>
+              <a:t>要客間が居心地いい</a:t>
             </a:r>
             <a:r>
               <a:rPr lang="en-US" altLang="ja-JP" dirty="0"/>
               <a:t>)</a:t>
             </a:r>
-            <a:endParaRPr kumimoji="1" lang="en-US" altLang="ja-JP" dirty="0"/>
-          </a:p>
-          <a:p>
-            <a:r>
-              <a:rPr lang="ja-JP" altLang="en-US" dirty="0"/>
-              <a:t>先人探索者の手記</a:t>
+          </a:p>
+          <a:p>
+            <a:pPr lvl="1"/>
+            <a:r>
+              <a:rPr lang="ja-JP" altLang="en-US"/>
+              <a:t>タイムリミット</a:t>
             </a:r>
             <a:endParaRPr lang="en-US" altLang="ja-JP" dirty="0"/>
-          </a:p>
-          <a:p>
-            <a:pPr lvl="1"/>
-            <a:r>
-              <a:rPr lang="ja-JP" altLang="en-US" dirty="0"/>
-              <a:t>館の魔術</a:t>
-            </a:r>
-            <a:r>
-              <a:rPr lang="en-US" altLang="ja-JP" dirty="0"/>
-              <a:t>(</a:t>
-            </a:r>
-            <a:r>
-              <a:rPr lang="ja-JP" altLang="en-US" dirty="0"/>
-              <a:t>魅了であること、効果、解除に血が必要なこと</a:t>
-            </a:r>
-            <a:r>
-              <a:rPr lang="en-US" altLang="ja-JP" dirty="0"/>
-              <a:t>)</a:t>
-            </a:r>
-          </a:p>
-          <a:p>
-            <a:pPr lvl="1"/>
-            <a:r>
-              <a:rPr lang="ja-JP" altLang="en-US" dirty="0"/>
-              <a:t>要のヒント</a:t>
-            </a:r>
-            <a:r>
-              <a:rPr lang="en-US" altLang="ja-JP" dirty="0"/>
-              <a:t>(</a:t>
-            </a:r>
-            <a:r>
-              <a:rPr lang="ja-JP" altLang="en-US" dirty="0"/>
-              <a:t>要客間が居心地いい</a:t>
-            </a:r>
-            <a:r>
-              <a:rPr lang="en-US" altLang="ja-JP" dirty="0"/>
-              <a:t>)</a:t>
-            </a:r>
           </a:p>
         </p:txBody>
       </p:sp>

--- a/Unity1week企画.pptx
+++ b/Unity1week企画.pptx
@@ -6048,6 +6048,893 @@
           </a:prstGeom>
         </p:spPr>
       </p:pic>
+      <p:sp>
+        <p:nvSpPr>
+          <p:cNvPr id="3" name="楕円 2">
+            <a:extLst>
+              <a:ext uri="{FF2B5EF4-FFF2-40B4-BE49-F238E27FC236}">
+                <a16:creationId xmlns:a16="http://schemas.microsoft.com/office/drawing/2014/main" id="{775A818D-91F2-4326-AC89-2CAE5092CAD6}"/>
+              </a:ext>
+            </a:extLst>
+          </p:cNvPr>
+          <p:cNvSpPr/>
+          <p:nvPr/>
+        </p:nvSpPr>
+        <p:spPr>
+          <a:xfrm>
+            <a:off x="69236" y="3402521"/>
+            <a:ext cx="485029" cy="629542"/>
+          </a:xfrm>
+          <a:prstGeom prst="ellipse">
+            <a:avLst/>
+          </a:prstGeom>
+          <a:solidFill>
+            <a:schemeClr val="accent2"/>
+          </a:solidFill>
+        </p:spPr>
+        <p:style>
+          <a:lnRef idx="2">
+            <a:schemeClr val="accent1">
+              <a:shade val="50000"/>
+            </a:schemeClr>
+          </a:lnRef>
+          <a:fillRef idx="1">
+            <a:schemeClr val="accent1"/>
+          </a:fillRef>
+          <a:effectRef idx="0">
+            <a:schemeClr val="accent1"/>
+          </a:effectRef>
+          <a:fontRef idx="minor">
+            <a:schemeClr val="lt1"/>
+          </a:fontRef>
+        </p:style>
+        <p:txBody>
+          <a:bodyPr rtlCol="0" anchor="ctr"/>
+          <a:lstStyle/>
+          <a:p>
+            <a:pPr algn="ctr"/>
+            <a:endParaRPr kumimoji="1" lang="ja-JP" altLang="en-US"/>
+          </a:p>
+        </p:txBody>
+      </p:sp>
+      <p:sp>
+        <p:nvSpPr>
+          <p:cNvPr id="54" name="楕円 53">
+            <a:extLst>
+              <a:ext uri="{FF2B5EF4-FFF2-40B4-BE49-F238E27FC236}">
+                <a16:creationId xmlns:a16="http://schemas.microsoft.com/office/drawing/2014/main" id="{66ABBD66-CC37-4164-A583-DB52942BECF9}"/>
+              </a:ext>
+            </a:extLst>
+          </p:cNvPr>
+          <p:cNvSpPr/>
+          <p:nvPr/>
+        </p:nvSpPr>
+        <p:spPr>
+          <a:xfrm>
+            <a:off x="3530724" y="3861555"/>
+            <a:ext cx="485029" cy="629542"/>
+          </a:xfrm>
+          <a:prstGeom prst="ellipse">
+            <a:avLst/>
+          </a:prstGeom>
+          <a:solidFill>
+            <a:schemeClr val="accent2"/>
+          </a:solidFill>
+        </p:spPr>
+        <p:style>
+          <a:lnRef idx="2">
+            <a:schemeClr val="accent1">
+              <a:shade val="50000"/>
+            </a:schemeClr>
+          </a:lnRef>
+          <a:fillRef idx="1">
+            <a:schemeClr val="accent1"/>
+          </a:fillRef>
+          <a:effectRef idx="0">
+            <a:schemeClr val="accent1"/>
+          </a:effectRef>
+          <a:fontRef idx="minor">
+            <a:schemeClr val="lt1"/>
+          </a:fontRef>
+        </p:style>
+        <p:txBody>
+          <a:bodyPr rtlCol="0" anchor="ctr"/>
+          <a:lstStyle/>
+          <a:p>
+            <a:pPr algn="ctr"/>
+            <a:endParaRPr kumimoji="1" lang="ja-JP" altLang="en-US"/>
+          </a:p>
+        </p:txBody>
+      </p:sp>
+      <p:sp>
+        <p:nvSpPr>
+          <p:cNvPr id="55" name="楕円 54">
+            <a:extLst>
+              <a:ext uri="{FF2B5EF4-FFF2-40B4-BE49-F238E27FC236}">
+                <a16:creationId xmlns:a16="http://schemas.microsoft.com/office/drawing/2014/main" id="{1A22099F-4F8D-401F-9FF4-C31008B28185}"/>
+              </a:ext>
+            </a:extLst>
+          </p:cNvPr>
+          <p:cNvSpPr/>
+          <p:nvPr/>
+        </p:nvSpPr>
+        <p:spPr>
+          <a:xfrm>
+            <a:off x="3491726" y="4896931"/>
+            <a:ext cx="485029" cy="629542"/>
+          </a:xfrm>
+          <a:prstGeom prst="ellipse">
+            <a:avLst/>
+          </a:prstGeom>
+          <a:solidFill>
+            <a:schemeClr val="accent2"/>
+          </a:solidFill>
+        </p:spPr>
+        <p:style>
+          <a:lnRef idx="2">
+            <a:schemeClr val="accent1">
+              <a:shade val="50000"/>
+            </a:schemeClr>
+          </a:lnRef>
+          <a:fillRef idx="1">
+            <a:schemeClr val="accent1"/>
+          </a:fillRef>
+          <a:effectRef idx="0">
+            <a:schemeClr val="accent1"/>
+          </a:effectRef>
+          <a:fontRef idx="minor">
+            <a:schemeClr val="lt1"/>
+          </a:fontRef>
+        </p:style>
+        <p:txBody>
+          <a:bodyPr rtlCol="0" anchor="ctr"/>
+          <a:lstStyle/>
+          <a:p>
+            <a:pPr algn="ctr"/>
+            <a:endParaRPr kumimoji="1" lang="ja-JP" altLang="en-US"/>
+          </a:p>
+        </p:txBody>
+      </p:sp>
+      <p:sp>
+        <p:nvSpPr>
+          <p:cNvPr id="67" name="楕円 66">
+            <a:extLst>
+              <a:ext uri="{FF2B5EF4-FFF2-40B4-BE49-F238E27FC236}">
+                <a16:creationId xmlns:a16="http://schemas.microsoft.com/office/drawing/2014/main" id="{D12CC332-7EB3-464F-AC32-4ABC3C9592C6}"/>
+              </a:ext>
+            </a:extLst>
+          </p:cNvPr>
+          <p:cNvSpPr/>
+          <p:nvPr/>
+        </p:nvSpPr>
+        <p:spPr>
+          <a:xfrm>
+            <a:off x="1768509" y="3713954"/>
+            <a:ext cx="485029" cy="629542"/>
+          </a:xfrm>
+          <a:prstGeom prst="ellipse">
+            <a:avLst/>
+          </a:prstGeom>
+          <a:solidFill>
+            <a:schemeClr val="accent2"/>
+          </a:solidFill>
+        </p:spPr>
+        <p:style>
+          <a:lnRef idx="2">
+            <a:schemeClr val="accent1">
+              <a:shade val="50000"/>
+            </a:schemeClr>
+          </a:lnRef>
+          <a:fillRef idx="1">
+            <a:schemeClr val="accent1"/>
+          </a:fillRef>
+          <a:effectRef idx="0">
+            <a:schemeClr val="accent1"/>
+          </a:effectRef>
+          <a:fontRef idx="minor">
+            <a:schemeClr val="lt1"/>
+          </a:fontRef>
+        </p:style>
+        <p:txBody>
+          <a:bodyPr rtlCol="0" anchor="ctr"/>
+          <a:lstStyle/>
+          <a:p>
+            <a:pPr algn="ctr"/>
+            <a:endParaRPr kumimoji="1" lang="ja-JP" altLang="en-US"/>
+          </a:p>
+        </p:txBody>
+      </p:sp>
+      <p:sp>
+        <p:nvSpPr>
+          <p:cNvPr id="68" name="楕円 67">
+            <a:extLst>
+              <a:ext uri="{FF2B5EF4-FFF2-40B4-BE49-F238E27FC236}">
+                <a16:creationId xmlns:a16="http://schemas.microsoft.com/office/drawing/2014/main" id="{8CE0E670-A084-4ED9-AD45-FDC5EEA9AE11}"/>
+              </a:ext>
+            </a:extLst>
+          </p:cNvPr>
+          <p:cNvSpPr/>
+          <p:nvPr/>
+        </p:nvSpPr>
+        <p:spPr>
+          <a:xfrm>
+            <a:off x="5491122" y="3755278"/>
+            <a:ext cx="485029" cy="629542"/>
+          </a:xfrm>
+          <a:prstGeom prst="ellipse">
+            <a:avLst/>
+          </a:prstGeom>
+          <a:solidFill>
+            <a:schemeClr val="accent2"/>
+          </a:solidFill>
+        </p:spPr>
+        <p:style>
+          <a:lnRef idx="2">
+            <a:schemeClr val="accent1">
+              <a:shade val="50000"/>
+            </a:schemeClr>
+          </a:lnRef>
+          <a:fillRef idx="1">
+            <a:schemeClr val="accent1"/>
+          </a:fillRef>
+          <a:effectRef idx="0">
+            <a:schemeClr val="accent1"/>
+          </a:effectRef>
+          <a:fontRef idx="minor">
+            <a:schemeClr val="lt1"/>
+          </a:fontRef>
+        </p:style>
+        <p:txBody>
+          <a:bodyPr rtlCol="0" anchor="ctr"/>
+          <a:lstStyle/>
+          <a:p>
+            <a:pPr algn="ctr"/>
+            <a:endParaRPr kumimoji="1" lang="ja-JP" altLang="en-US"/>
+          </a:p>
+        </p:txBody>
+      </p:sp>
+      <p:sp>
+        <p:nvSpPr>
+          <p:cNvPr id="69" name="楕円 68">
+            <a:extLst>
+              <a:ext uri="{FF2B5EF4-FFF2-40B4-BE49-F238E27FC236}">
+                <a16:creationId xmlns:a16="http://schemas.microsoft.com/office/drawing/2014/main" id="{72D820E0-8066-4603-AA89-FACB5A2CF5AB}"/>
+              </a:ext>
+            </a:extLst>
+          </p:cNvPr>
+          <p:cNvSpPr/>
+          <p:nvPr/>
+        </p:nvSpPr>
+        <p:spPr>
+          <a:xfrm>
+            <a:off x="4886110" y="1925420"/>
+            <a:ext cx="485029" cy="629542"/>
+          </a:xfrm>
+          <a:prstGeom prst="ellipse">
+            <a:avLst/>
+          </a:prstGeom>
+          <a:solidFill>
+            <a:schemeClr val="accent2"/>
+          </a:solidFill>
+        </p:spPr>
+        <p:style>
+          <a:lnRef idx="2">
+            <a:schemeClr val="accent1">
+              <a:shade val="50000"/>
+            </a:schemeClr>
+          </a:lnRef>
+          <a:fillRef idx="1">
+            <a:schemeClr val="accent1"/>
+          </a:fillRef>
+          <a:effectRef idx="0">
+            <a:schemeClr val="accent1"/>
+          </a:effectRef>
+          <a:fontRef idx="minor">
+            <a:schemeClr val="lt1"/>
+          </a:fontRef>
+        </p:style>
+        <p:txBody>
+          <a:bodyPr rtlCol="0" anchor="ctr"/>
+          <a:lstStyle/>
+          <a:p>
+            <a:pPr algn="ctr"/>
+            <a:endParaRPr kumimoji="1" lang="ja-JP" altLang="en-US"/>
+          </a:p>
+        </p:txBody>
+      </p:sp>
+      <p:sp>
+        <p:nvSpPr>
+          <p:cNvPr id="70" name="楕円 69">
+            <a:extLst>
+              <a:ext uri="{FF2B5EF4-FFF2-40B4-BE49-F238E27FC236}">
+                <a16:creationId xmlns:a16="http://schemas.microsoft.com/office/drawing/2014/main" id="{B929129A-257E-49D5-BECB-CACCBD54B835}"/>
+              </a:ext>
+            </a:extLst>
+          </p:cNvPr>
+          <p:cNvSpPr/>
+          <p:nvPr/>
+        </p:nvSpPr>
+        <p:spPr>
+          <a:xfrm>
+            <a:off x="7214704" y="4663739"/>
+            <a:ext cx="485029" cy="629542"/>
+          </a:xfrm>
+          <a:prstGeom prst="ellipse">
+            <a:avLst/>
+          </a:prstGeom>
+          <a:solidFill>
+            <a:schemeClr val="accent2"/>
+          </a:solidFill>
+        </p:spPr>
+        <p:style>
+          <a:lnRef idx="2">
+            <a:schemeClr val="accent1">
+              <a:shade val="50000"/>
+            </a:schemeClr>
+          </a:lnRef>
+          <a:fillRef idx="1">
+            <a:schemeClr val="accent1"/>
+          </a:fillRef>
+          <a:effectRef idx="0">
+            <a:schemeClr val="accent1"/>
+          </a:effectRef>
+          <a:fontRef idx="minor">
+            <a:schemeClr val="lt1"/>
+          </a:fontRef>
+        </p:style>
+        <p:txBody>
+          <a:bodyPr rtlCol="0" anchor="ctr"/>
+          <a:lstStyle/>
+          <a:p>
+            <a:pPr algn="ctr"/>
+            <a:endParaRPr kumimoji="1" lang="ja-JP" altLang="en-US"/>
+          </a:p>
+        </p:txBody>
+      </p:sp>
+      <p:sp>
+        <p:nvSpPr>
+          <p:cNvPr id="71" name="楕円 70">
+            <a:extLst>
+              <a:ext uri="{FF2B5EF4-FFF2-40B4-BE49-F238E27FC236}">
+                <a16:creationId xmlns:a16="http://schemas.microsoft.com/office/drawing/2014/main" id="{6C6095D6-5FC7-4196-ACE4-5C1C9644BBE9}"/>
+              </a:ext>
+            </a:extLst>
+          </p:cNvPr>
+          <p:cNvSpPr/>
+          <p:nvPr/>
+        </p:nvSpPr>
+        <p:spPr>
+          <a:xfrm>
+            <a:off x="7507270" y="2928715"/>
+            <a:ext cx="485029" cy="629542"/>
+          </a:xfrm>
+          <a:prstGeom prst="ellipse">
+            <a:avLst/>
+          </a:prstGeom>
+          <a:solidFill>
+            <a:schemeClr val="accent2"/>
+          </a:solidFill>
+        </p:spPr>
+        <p:style>
+          <a:lnRef idx="2">
+            <a:schemeClr val="accent1">
+              <a:shade val="50000"/>
+            </a:schemeClr>
+          </a:lnRef>
+          <a:fillRef idx="1">
+            <a:schemeClr val="accent1"/>
+          </a:fillRef>
+          <a:effectRef idx="0">
+            <a:schemeClr val="accent1"/>
+          </a:effectRef>
+          <a:fontRef idx="minor">
+            <a:schemeClr val="lt1"/>
+          </a:fontRef>
+        </p:style>
+        <p:txBody>
+          <a:bodyPr rtlCol="0" anchor="ctr"/>
+          <a:lstStyle/>
+          <a:p>
+            <a:pPr algn="ctr"/>
+            <a:endParaRPr kumimoji="1" lang="ja-JP" altLang="en-US"/>
+          </a:p>
+        </p:txBody>
+      </p:sp>
+      <p:sp>
+        <p:nvSpPr>
+          <p:cNvPr id="72" name="楕円 71">
+            <a:extLst>
+              <a:ext uri="{FF2B5EF4-FFF2-40B4-BE49-F238E27FC236}">
+                <a16:creationId xmlns:a16="http://schemas.microsoft.com/office/drawing/2014/main" id="{22D11B15-2B23-49C8-A88D-2F204C8C9130}"/>
+              </a:ext>
+            </a:extLst>
+          </p:cNvPr>
+          <p:cNvSpPr/>
+          <p:nvPr/>
+        </p:nvSpPr>
+        <p:spPr>
+          <a:xfrm>
+            <a:off x="6606462" y="1942357"/>
+            <a:ext cx="485029" cy="629542"/>
+          </a:xfrm>
+          <a:prstGeom prst="ellipse">
+            <a:avLst/>
+          </a:prstGeom>
+          <a:solidFill>
+            <a:schemeClr val="accent2"/>
+          </a:solidFill>
+        </p:spPr>
+        <p:style>
+          <a:lnRef idx="2">
+            <a:schemeClr val="accent1">
+              <a:shade val="50000"/>
+            </a:schemeClr>
+          </a:lnRef>
+          <a:fillRef idx="1">
+            <a:schemeClr val="accent1"/>
+          </a:fillRef>
+          <a:effectRef idx="0">
+            <a:schemeClr val="accent1"/>
+          </a:effectRef>
+          <a:fontRef idx="minor">
+            <a:schemeClr val="lt1"/>
+          </a:fontRef>
+        </p:style>
+        <p:txBody>
+          <a:bodyPr rtlCol="0" anchor="ctr"/>
+          <a:lstStyle/>
+          <a:p>
+            <a:pPr algn="ctr"/>
+            <a:endParaRPr kumimoji="1" lang="ja-JP" altLang="en-US"/>
+          </a:p>
+        </p:txBody>
+      </p:sp>
+      <p:sp>
+        <p:nvSpPr>
+          <p:cNvPr id="73" name="楕円 72">
+            <a:extLst>
+              <a:ext uri="{FF2B5EF4-FFF2-40B4-BE49-F238E27FC236}">
+                <a16:creationId xmlns:a16="http://schemas.microsoft.com/office/drawing/2014/main" id="{30557C17-544A-4C73-A791-5CA228CB8FA7}"/>
+              </a:ext>
+            </a:extLst>
+          </p:cNvPr>
+          <p:cNvSpPr/>
+          <p:nvPr/>
+        </p:nvSpPr>
+        <p:spPr>
+          <a:xfrm>
+            <a:off x="2381002" y="2117278"/>
+            <a:ext cx="485029" cy="629542"/>
+          </a:xfrm>
+          <a:prstGeom prst="ellipse">
+            <a:avLst/>
+          </a:prstGeom>
+          <a:solidFill>
+            <a:schemeClr val="accent2"/>
+          </a:solidFill>
+        </p:spPr>
+        <p:style>
+          <a:lnRef idx="2">
+            <a:schemeClr val="accent1">
+              <a:shade val="50000"/>
+            </a:schemeClr>
+          </a:lnRef>
+          <a:fillRef idx="1">
+            <a:schemeClr val="accent1"/>
+          </a:fillRef>
+          <a:effectRef idx="0">
+            <a:schemeClr val="accent1"/>
+          </a:effectRef>
+          <a:fontRef idx="minor">
+            <a:schemeClr val="lt1"/>
+          </a:fontRef>
+        </p:style>
+        <p:txBody>
+          <a:bodyPr rtlCol="0" anchor="ctr"/>
+          <a:lstStyle/>
+          <a:p>
+            <a:pPr algn="ctr"/>
+            <a:endParaRPr kumimoji="1" lang="ja-JP" altLang="en-US"/>
+          </a:p>
+        </p:txBody>
+      </p:sp>
+      <p:sp>
+        <p:nvSpPr>
+          <p:cNvPr id="74" name="楕円 73">
+            <a:extLst>
+              <a:ext uri="{FF2B5EF4-FFF2-40B4-BE49-F238E27FC236}">
+                <a16:creationId xmlns:a16="http://schemas.microsoft.com/office/drawing/2014/main" id="{63017AED-94D7-4179-9B74-AED3C811B88B}"/>
+              </a:ext>
+            </a:extLst>
+          </p:cNvPr>
+          <p:cNvSpPr/>
+          <p:nvPr/>
+        </p:nvSpPr>
+        <p:spPr>
+          <a:xfrm>
+            <a:off x="507749" y="2021193"/>
+            <a:ext cx="485029" cy="629542"/>
+          </a:xfrm>
+          <a:prstGeom prst="ellipse">
+            <a:avLst/>
+          </a:prstGeom>
+          <a:solidFill>
+            <a:schemeClr val="accent2"/>
+          </a:solidFill>
+        </p:spPr>
+        <p:style>
+          <a:lnRef idx="2">
+            <a:schemeClr val="accent1">
+              <a:shade val="50000"/>
+            </a:schemeClr>
+          </a:lnRef>
+          <a:fillRef idx="1">
+            <a:schemeClr val="accent1"/>
+          </a:fillRef>
+          <a:effectRef idx="0">
+            <a:schemeClr val="accent1"/>
+          </a:effectRef>
+          <a:fontRef idx="minor">
+            <a:schemeClr val="lt1"/>
+          </a:fontRef>
+        </p:style>
+        <p:txBody>
+          <a:bodyPr rtlCol="0" anchor="ctr"/>
+          <a:lstStyle/>
+          <a:p>
+            <a:pPr algn="ctr"/>
+            <a:endParaRPr kumimoji="1" lang="ja-JP" altLang="en-US"/>
+          </a:p>
+        </p:txBody>
+      </p:sp>
+      <p:sp>
+        <p:nvSpPr>
+          <p:cNvPr id="75" name="楕円 74">
+            <a:extLst>
+              <a:ext uri="{FF2B5EF4-FFF2-40B4-BE49-F238E27FC236}">
+                <a16:creationId xmlns:a16="http://schemas.microsoft.com/office/drawing/2014/main" id="{0F7F1BA1-9B3F-4C73-B98F-8ADF2899504C}"/>
+              </a:ext>
+            </a:extLst>
+          </p:cNvPr>
+          <p:cNvSpPr/>
+          <p:nvPr/>
+        </p:nvSpPr>
+        <p:spPr>
+          <a:xfrm>
+            <a:off x="556652" y="5128107"/>
+            <a:ext cx="485029" cy="629542"/>
+          </a:xfrm>
+          <a:prstGeom prst="ellipse">
+            <a:avLst/>
+          </a:prstGeom>
+          <a:solidFill>
+            <a:schemeClr val="accent2"/>
+          </a:solidFill>
+        </p:spPr>
+        <p:style>
+          <a:lnRef idx="2">
+            <a:schemeClr val="accent1">
+              <a:shade val="50000"/>
+            </a:schemeClr>
+          </a:lnRef>
+          <a:fillRef idx="1">
+            <a:schemeClr val="accent1"/>
+          </a:fillRef>
+          <a:effectRef idx="0">
+            <a:schemeClr val="accent1"/>
+          </a:effectRef>
+          <a:fontRef idx="minor">
+            <a:schemeClr val="lt1"/>
+          </a:fontRef>
+        </p:style>
+        <p:txBody>
+          <a:bodyPr rtlCol="0" anchor="ctr"/>
+          <a:lstStyle/>
+          <a:p>
+            <a:pPr algn="ctr"/>
+            <a:endParaRPr kumimoji="1" lang="ja-JP" altLang="en-US"/>
+          </a:p>
+        </p:txBody>
+      </p:sp>
+      <p:cxnSp>
+        <p:nvCxnSpPr>
+          <p:cNvPr id="9" name="直線矢印コネクタ 8">
+            <a:extLst>
+              <a:ext uri="{FF2B5EF4-FFF2-40B4-BE49-F238E27FC236}">
+                <a16:creationId xmlns:a16="http://schemas.microsoft.com/office/drawing/2014/main" id="{1BC622A0-353B-4CE2-8F5A-03FAFAEBA421}"/>
+              </a:ext>
+            </a:extLst>
+          </p:cNvPr>
+          <p:cNvCxnSpPr/>
+          <p:nvPr/>
+        </p:nvCxnSpPr>
+        <p:spPr>
+          <a:xfrm flipV="1">
+            <a:off x="8285259" y="1852654"/>
+            <a:ext cx="0" cy="3812242"/>
+          </a:xfrm>
+          <a:prstGeom prst="straightConnector1">
+            <a:avLst/>
+          </a:prstGeom>
+          <a:ln>
+            <a:tailEnd type="triangle"/>
+          </a:ln>
+        </p:spPr>
+        <p:style>
+          <a:lnRef idx="1">
+            <a:schemeClr val="accent1"/>
+          </a:lnRef>
+          <a:fillRef idx="0">
+            <a:schemeClr val="accent1"/>
+          </a:fillRef>
+          <a:effectRef idx="0">
+            <a:schemeClr val="accent1"/>
+          </a:effectRef>
+          <a:fontRef idx="minor">
+            <a:schemeClr val="tx1"/>
+          </a:fontRef>
+        </p:style>
+      </p:cxnSp>
+      <p:cxnSp>
+        <p:nvCxnSpPr>
+          <p:cNvPr id="19" name="直線矢印コネクタ 18">
+            <a:extLst>
+              <a:ext uri="{FF2B5EF4-FFF2-40B4-BE49-F238E27FC236}">
+                <a16:creationId xmlns:a16="http://schemas.microsoft.com/office/drawing/2014/main" id="{D1BFF741-1290-4B4A-9071-1384A4EBD3BF}"/>
+              </a:ext>
+            </a:extLst>
+          </p:cNvPr>
+          <p:cNvCxnSpPr>
+            <a:cxnSpLocks/>
+          </p:cNvCxnSpPr>
+          <p:nvPr/>
+        </p:nvCxnSpPr>
+        <p:spPr>
+          <a:xfrm flipH="1">
+            <a:off x="4691270" y="1948713"/>
+            <a:ext cx="2844026" cy="28848"/>
+          </a:xfrm>
+          <a:prstGeom prst="straightConnector1">
+            <a:avLst/>
+          </a:prstGeom>
+          <a:ln>
+            <a:tailEnd type="triangle"/>
+          </a:ln>
+        </p:spPr>
+        <p:style>
+          <a:lnRef idx="1">
+            <a:schemeClr val="accent1"/>
+          </a:lnRef>
+          <a:fillRef idx="0">
+            <a:schemeClr val="accent1"/>
+          </a:fillRef>
+          <a:effectRef idx="0">
+            <a:schemeClr val="accent1"/>
+          </a:effectRef>
+          <a:fontRef idx="minor">
+            <a:schemeClr val="tx1"/>
+          </a:fontRef>
+        </p:style>
+      </p:cxnSp>
+      <p:cxnSp>
+        <p:nvCxnSpPr>
+          <p:cNvPr id="24" name="直線矢印コネクタ 23">
+            <a:extLst>
+              <a:ext uri="{FF2B5EF4-FFF2-40B4-BE49-F238E27FC236}">
+                <a16:creationId xmlns:a16="http://schemas.microsoft.com/office/drawing/2014/main" id="{9F4D1F45-D9EE-40BD-A3CE-A7F0AC8830EC}"/>
+              </a:ext>
+            </a:extLst>
+          </p:cNvPr>
+          <p:cNvCxnSpPr/>
+          <p:nvPr/>
+        </p:nvCxnSpPr>
+        <p:spPr>
+          <a:xfrm flipH="1" flipV="1">
+            <a:off x="2105434" y="2335965"/>
+            <a:ext cx="275568" cy="3960268"/>
+          </a:xfrm>
+          <a:prstGeom prst="straightConnector1">
+            <a:avLst/>
+          </a:prstGeom>
+          <a:ln>
+            <a:tailEnd type="triangle"/>
+          </a:ln>
+        </p:spPr>
+        <p:style>
+          <a:lnRef idx="1">
+            <a:schemeClr val="accent1"/>
+          </a:lnRef>
+          <a:fillRef idx="0">
+            <a:schemeClr val="accent1"/>
+          </a:fillRef>
+          <a:effectRef idx="0">
+            <a:schemeClr val="accent1"/>
+          </a:effectRef>
+          <a:fontRef idx="minor">
+            <a:schemeClr val="tx1"/>
+          </a:fontRef>
+        </p:style>
+      </p:cxnSp>
+      <p:sp>
+        <p:nvSpPr>
+          <p:cNvPr id="28" name="テキスト ボックス 27">
+            <a:extLst>
+              <a:ext uri="{FF2B5EF4-FFF2-40B4-BE49-F238E27FC236}">
+                <a16:creationId xmlns:a16="http://schemas.microsoft.com/office/drawing/2014/main" id="{F6B1ACE7-2111-4AFA-8CF5-257695DE1C48}"/>
+              </a:ext>
+            </a:extLst>
+          </p:cNvPr>
+          <p:cNvSpPr txBox="1"/>
+          <p:nvPr/>
+        </p:nvSpPr>
+        <p:spPr>
+          <a:xfrm>
+            <a:off x="8296490" y="5515571"/>
+            <a:ext cx="312906" cy="369332"/>
+          </a:xfrm>
+          <a:prstGeom prst="rect">
+            <a:avLst/>
+          </a:prstGeom>
+          <a:noFill/>
+        </p:spPr>
+        <p:txBody>
+          <a:bodyPr wrap="none" rtlCol="0">
+            <a:spAutoFit/>
+          </a:bodyPr>
+          <a:lstStyle/>
+          <a:p>
+            <a:r>
+              <a:rPr kumimoji="1" lang="en-US" altLang="ja-JP" dirty="0"/>
+              <a:t>1</a:t>
+            </a:r>
+            <a:endParaRPr kumimoji="1" lang="ja-JP" altLang="en-US" dirty="0"/>
+          </a:p>
+        </p:txBody>
+      </p:sp>
+      <p:sp>
+        <p:nvSpPr>
+          <p:cNvPr id="76" name="テキスト ボックス 75">
+            <a:extLst>
+              <a:ext uri="{FF2B5EF4-FFF2-40B4-BE49-F238E27FC236}">
+                <a16:creationId xmlns:a16="http://schemas.microsoft.com/office/drawing/2014/main" id="{21CFB077-18A3-45DE-B2CD-D4DC4FBF9429}"/>
+              </a:ext>
+            </a:extLst>
+          </p:cNvPr>
+          <p:cNvSpPr txBox="1"/>
+          <p:nvPr/>
+        </p:nvSpPr>
+        <p:spPr>
+          <a:xfrm>
+            <a:off x="8408022" y="1977561"/>
+            <a:ext cx="312906" cy="369332"/>
+          </a:xfrm>
+          <a:prstGeom prst="rect">
+            <a:avLst/>
+          </a:prstGeom>
+          <a:noFill/>
+        </p:spPr>
+        <p:txBody>
+          <a:bodyPr wrap="none" rtlCol="0">
+            <a:spAutoFit/>
+          </a:bodyPr>
+          <a:lstStyle/>
+          <a:p>
+            <a:r>
+              <a:rPr lang="en-US" altLang="ja-JP" dirty="0"/>
+              <a:t>2</a:t>
+            </a:r>
+            <a:endParaRPr kumimoji="1" lang="ja-JP" altLang="en-US" dirty="0"/>
+          </a:p>
+        </p:txBody>
+      </p:sp>
+      <p:sp>
+        <p:nvSpPr>
+          <p:cNvPr id="77" name="テキスト ボックス 76">
+            <a:extLst>
+              <a:ext uri="{FF2B5EF4-FFF2-40B4-BE49-F238E27FC236}">
+                <a16:creationId xmlns:a16="http://schemas.microsoft.com/office/drawing/2014/main" id="{7A7503F9-4528-4478-B956-735C495680A2}"/>
+              </a:ext>
+            </a:extLst>
+          </p:cNvPr>
+          <p:cNvSpPr txBox="1"/>
+          <p:nvPr/>
+        </p:nvSpPr>
+        <p:spPr>
+          <a:xfrm>
+            <a:off x="4600257" y="1510776"/>
+            <a:ext cx="312906" cy="369332"/>
+          </a:xfrm>
+          <a:prstGeom prst="rect">
+            <a:avLst/>
+          </a:prstGeom>
+          <a:noFill/>
+        </p:spPr>
+        <p:txBody>
+          <a:bodyPr wrap="none" rtlCol="0">
+            <a:spAutoFit/>
+          </a:bodyPr>
+          <a:lstStyle/>
+          <a:p>
+            <a:r>
+              <a:rPr kumimoji="1" lang="en-US" altLang="ja-JP" dirty="0"/>
+              <a:t>3</a:t>
+            </a:r>
+            <a:endParaRPr kumimoji="1" lang="ja-JP" altLang="en-US" dirty="0"/>
+          </a:p>
+        </p:txBody>
+      </p:sp>
+      <p:sp>
+        <p:nvSpPr>
+          <p:cNvPr id="78" name="テキスト ボックス 77">
+            <a:extLst>
+              <a:ext uri="{FF2B5EF4-FFF2-40B4-BE49-F238E27FC236}">
+                <a16:creationId xmlns:a16="http://schemas.microsoft.com/office/drawing/2014/main" id="{8A2D8D3A-B557-4F74-8893-8FA913571D35}"/>
+              </a:ext>
+            </a:extLst>
+          </p:cNvPr>
+          <p:cNvSpPr txBox="1"/>
+          <p:nvPr/>
+        </p:nvSpPr>
+        <p:spPr>
+          <a:xfrm>
+            <a:off x="1619259" y="5905231"/>
+            <a:ext cx="312906" cy="369332"/>
+          </a:xfrm>
+          <a:prstGeom prst="rect">
+            <a:avLst/>
+          </a:prstGeom>
+          <a:noFill/>
+        </p:spPr>
+        <p:txBody>
+          <a:bodyPr wrap="none" rtlCol="0">
+            <a:spAutoFit/>
+          </a:bodyPr>
+          <a:lstStyle/>
+          <a:p>
+            <a:r>
+              <a:rPr lang="en-US" altLang="ja-JP" dirty="0"/>
+              <a:t>4</a:t>
+            </a:r>
+            <a:endParaRPr kumimoji="1" lang="ja-JP" altLang="en-US" dirty="0"/>
+          </a:p>
+        </p:txBody>
+      </p:sp>
+      <p:sp>
+        <p:nvSpPr>
+          <p:cNvPr id="79" name="テキスト ボックス 78">
+            <a:extLst>
+              <a:ext uri="{FF2B5EF4-FFF2-40B4-BE49-F238E27FC236}">
+                <a16:creationId xmlns:a16="http://schemas.microsoft.com/office/drawing/2014/main" id="{6E4020EF-FF81-4344-A972-6537EF168CCE}"/>
+              </a:ext>
+            </a:extLst>
+          </p:cNvPr>
+          <p:cNvSpPr txBox="1"/>
+          <p:nvPr/>
+        </p:nvSpPr>
+        <p:spPr>
+          <a:xfrm>
+            <a:off x="1748043" y="2554962"/>
+            <a:ext cx="312906" cy="369332"/>
+          </a:xfrm>
+          <a:prstGeom prst="rect">
+            <a:avLst/>
+          </a:prstGeom>
+          <a:noFill/>
+        </p:spPr>
+        <p:txBody>
+          <a:bodyPr wrap="none" rtlCol="0">
+            <a:spAutoFit/>
+          </a:bodyPr>
+          <a:lstStyle/>
+          <a:p>
+            <a:r>
+              <a:rPr lang="en-US" altLang="ja-JP" dirty="0"/>
+              <a:t>5</a:t>
+            </a:r>
+            <a:endParaRPr kumimoji="1" lang="ja-JP" altLang="en-US" dirty="0"/>
+          </a:p>
+        </p:txBody>
+      </p:sp>
     </p:spTree>
     <p:extLst>
       <p:ext uri="{BB962C8B-B14F-4D97-AF65-F5344CB8AC3E}">
@@ -7991,6 +8878,496 @@
           </a:prstGeom>
         </p:spPr>
       </p:pic>
+      <p:sp>
+        <p:nvSpPr>
+          <p:cNvPr id="47" name="楕円 46">
+            <a:extLst>
+              <a:ext uri="{FF2B5EF4-FFF2-40B4-BE49-F238E27FC236}">
+                <a16:creationId xmlns:a16="http://schemas.microsoft.com/office/drawing/2014/main" id="{1FAAA967-AD3E-4C32-81BE-B14217ED2236}"/>
+              </a:ext>
+            </a:extLst>
+          </p:cNvPr>
+          <p:cNvSpPr/>
+          <p:nvPr/>
+        </p:nvSpPr>
+        <p:spPr>
+          <a:xfrm>
+            <a:off x="6967458" y="1899320"/>
+            <a:ext cx="485029" cy="629542"/>
+          </a:xfrm>
+          <a:prstGeom prst="ellipse">
+            <a:avLst/>
+          </a:prstGeom>
+          <a:solidFill>
+            <a:schemeClr val="accent2"/>
+          </a:solidFill>
+        </p:spPr>
+        <p:style>
+          <a:lnRef idx="2">
+            <a:schemeClr val="accent1">
+              <a:shade val="50000"/>
+            </a:schemeClr>
+          </a:lnRef>
+          <a:fillRef idx="1">
+            <a:schemeClr val="accent1"/>
+          </a:fillRef>
+          <a:effectRef idx="0">
+            <a:schemeClr val="accent1"/>
+          </a:effectRef>
+          <a:fontRef idx="minor">
+            <a:schemeClr val="lt1"/>
+          </a:fontRef>
+        </p:style>
+        <p:txBody>
+          <a:bodyPr rtlCol="0" anchor="ctr"/>
+          <a:lstStyle/>
+          <a:p>
+            <a:pPr algn="ctr"/>
+            <a:endParaRPr kumimoji="1" lang="ja-JP" altLang="en-US"/>
+          </a:p>
+        </p:txBody>
+      </p:sp>
+      <p:sp>
+        <p:nvSpPr>
+          <p:cNvPr id="48" name="楕円 47">
+            <a:extLst>
+              <a:ext uri="{FF2B5EF4-FFF2-40B4-BE49-F238E27FC236}">
+                <a16:creationId xmlns:a16="http://schemas.microsoft.com/office/drawing/2014/main" id="{460E9DC9-C0BD-4784-A3FB-0CA9712367E7}"/>
+              </a:ext>
+            </a:extLst>
+          </p:cNvPr>
+          <p:cNvSpPr/>
+          <p:nvPr/>
+        </p:nvSpPr>
+        <p:spPr>
+          <a:xfrm>
+            <a:off x="6949847" y="3451415"/>
+            <a:ext cx="485029" cy="629542"/>
+          </a:xfrm>
+          <a:prstGeom prst="ellipse">
+            <a:avLst/>
+          </a:prstGeom>
+          <a:solidFill>
+            <a:schemeClr val="accent2"/>
+          </a:solidFill>
+        </p:spPr>
+        <p:style>
+          <a:lnRef idx="2">
+            <a:schemeClr val="accent1">
+              <a:shade val="50000"/>
+            </a:schemeClr>
+          </a:lnRef>
+          <a:fillRef idx="1">
+            <a:schemeClr val="accent1"/>
+          </a:fillRef>
+          <a:effectRef idx="0">
+            <a:schemeClr val="accent1"/>
+          </a:effectRef>
+          <a:fontRef idx="minor">
+            <a:schemeClr val="lt1"/>
+          </a:fontRef>
+        </p:style>
+        <p:txBody>
+          <a:bodyPr rtlCol="0" anchor="ctr"/>
+          <a:lstStyle/>
+          <a:p>
+            <a:pPr algn="ctr"/>
+            <a:endParaRPr kumimoji="1" lang="ja-JP" altLang="en-US"/>
+          </a:p>
+        </p:txBody>
+      </p:sp>
+      <p:sp>
+        <p:nvSpPr>
+          <p:cNvPr id="49" name="楕円 48">
+            <a:extLst>
+              <a:ext uri="{FF2B5EF4-FFF2-40B4-BE49-F238E27FC236}">
+                <a16:creationId xmlns:a16="http://schemas.microsoft.com/office/drawing/2014/main" id="{52212E16-5B09-4134-A81E-5A74614D3DA3}"/>
+              </a:ext>
+            </a:extLst>
+          </p:cNvPr>
+          <p:cNvSpPr/>
+          <p:nvPr/>
+        </p:nvSpPr>
+        <p:spPr>
+          <a:xfrm>
+            <a:off x="6967458" y="4643840"/>
+            <a:ext cx="485029" cy="629542"/>
+          </a:xfrm>
+          <a:prstGeom prst="ellipse">
+            <a:avLst/>
+          </a:prstGeom>
+          <a:solidFill>
+            <a:schemeClr val="accent2"/>
+          </a:solidFill>
+        </p:spPr>
+        <p:style>
+          <a:lnRef idx="2">
+            <a:schemeClr val="accent1">
+              <a:shade val="50000"/>
+            </a:schemeClr>
+          </a:lnRef>
+          <a:fillRef idx="1">
+            <a:schemeClr val="accent1"/>
+          </a:fillRef>
+          <a:effectRef idx="0">
+            <a:schemeClr val="accent1"/>
+          </a:effectRef>
+          <a:fontRef idx="minor">
+            <a:schemeClr val="lt1"/>
+          </a:fontRef>
+        </p:style>
+        <p:txBody>
+          <a:bodyPr rtlCol="0" anchor="ctr"/>
+          <a:lstStyle/>
+          <a:p>
+            <a:pPr algn="ctr"/>
+            <a:endParaRPr kumimoji="1" lang="ja-JP" altLang="en-US"/>
+          </a:p>
+        </p:txBody>
+      </p:sp>
+      <p:sp>
+        <p:nvSpPr>
+          <p:cNvPr id="50" name="楕円 49">
+            <a:extLst>
+              <a:ext uri="{FF2B5EF4-FFF2-40B4-BE49-F238E27FC236}">
+                <a16:creationId xmlns:a16="http://schemas.microsoft.com/office/drawing/2014/main" id="{2F878034-2DFC-4EE6-8806-4C0D6FD1864E}"/>
+              </a:ext>
+            </a:extLst>
+          </p:cNvPr>
+          <p:cNvSpPr/>
+          <p:nvPr/>
+        </p:nvSpPr>
+        <p:spPr>
+          <a:xfrm>
+            <a:off x="3742193" y="1603736"/>
+            <a:ext cx="485029" cy="629542"/>
+          </a:xfrm>
+          <a:prstGeom prst="ellipse">
+            <a:avLst/>
+          </a:prstGeom>
+          <a:solidFill>
+            <a:schemeClr val="accent2"/>
+          </a:solidFill>
+        </p:spPr>
+        <p:style>
+          <a:lnRef idx="2">
+            <a:schemeClr val="accent1">
+              <a:shade val="50000"/>
+            </a:schemeClr>
+          </a:lnRef>
+          <a:fillRef idx="1">
+            <a:schemeClr val="accent1"/>
+          </a:fillRef>
+          <a:effectRef idx="0">
+            <a:schemeClr val="accent1"/>
+          </a:effectRef>
+          <a:fontRef idx="minor">
+            <a:schemeClr val="lt1"/>
+          </a:fontRef>
+        </p:style>
+        <p:txBody>
+          <a:bodyPr rtlCol="0" anchor="ctr"/>
+          <a:lstStyle/>
+          <a:p>
+            <a:pPr algn="ctr"/>
+            <a:endParaRPr kumimoji="1" lang="ja-JP" altLang="en-US"/>
+          </a:p>
+        </p:txBody>
+      </p:sp>
+      <p:sp>
+        <p:nvSpPr>
+          <p:cNvPr id="51" name="楕円 50">
+            <a:extLst>
+              <a:ext uri="{FF2B5EF4-FFF2-40B4-BE49-F238E27FC236}">
+                <a16:creationId xmlns:a16="http://schemas.microsoft.com/office/drawing/2014/main" id="{2B353609-A44B-40E8-9A2C-92022AFC577B}"/>
+              </a:ext>
+            </a:extLst>
+          </p:cNvPr>
+          <p:cNvSpPr/>
+          <p:nvPr/>
+        </p:nvSpPr>
+        <p:spPr>
+          <a:xfrm>
+            <a:off x="638053" y="3326732"/>
+            <a:ext cx="485029" cy="629542"/>
+          </a:xfrm>
+          <a:prstGeom prst="ellipse">
+            <a:avLst/>
+          </a:prstGeom>
+          <a:solidFill>
+            <a:schemeClr val="accent2"/>
+          </a:solidFill>
+        </p:spPr>
+        <p:style>
+          <a:lnRef idx="2">
+            <a:schemeClr val="accent1">
+              <a:shade val="50000"/>
+            </a:schemeClr>
+          </a:lnRef>
+          <a:fillRef idx="1">
+            <a:schemeClr val="accent1"/>
+          </a:fillRef>
+          <a:effectRef idx="0">
+            <a:schemeClr val="accent1"/>
+          </a:effectRef>
+          <a:fontRef idx="minor">
+            <a:schemeClr val="lt1"/>
+          </a:fontRef>
+        </p:style>
+        <p:txBody>
+          <a:bodyPr rtlCol="0" anchor="ctr"/>
+          <a:lstStyle/>
+          <a:p>
+            <a:pPr algn="ctr"/>
+            <a:endParaRPr kumimoji="1" lang="ja-JP" altLang="en-US"/>
+          </a:p>
+        </p:txBody>
+      </p:sp>
+      <p:sp>
+        <p:nvSpPr>
+          <p:cNvPr id="52" name="楕円 51">
+            <a:extLst>
+              <a:ext uri="{FF2B5EF4-FFF2-40B4-BE49-F238E27FC236}">
+                <a16:creationId xmlns:a16="http://schemas.microsoft.com/office/drawing/2014/main" id="{AE65777D-A4ED-498E-B9D3-0A9B8D848BDA}"/>
+              </a:ext>
+            </a:extLst>
+          </p:cNvPr>
+          <p:cNvSpPr/>
+          <p:nvPr/>
+        </p:nvSpPr>
+        <p:spPr>
+          <a:xfrm>
+            <a:off x="4957961" y="3131577"/>
+            <a:ext cx="485029" cy="629542"/>
+          </a:xfrm>
+          <a:prstGeom prst="ellipse">
+            <a:avLst/>
+          </a:prstGeom>
+          <a:solidFill>
+            <a:schemeClr val="accent2"/>
+          </a:solidFill>
+        </p:spPr>
+        <p:style>
+          <a:lnRef idx="2">
+            <a:schemeClr val="accent1">
+              <a:shade val="50000"/>
+            </a:schemeClr>
+          </a:lnRef>
+          <a:fillRef idx="1">
+            <a:schemeClr val="accent1"/>
+          </a:fillRef>
+          <a:effectRef idx="0">
+            <a:schemeClr val="accent1"/>
+          </a:effectRef>
+          <a:fontRef idx="minor">
+            <a:schemeClr val="lt1"/>
+          </a:fontRef>
+        </p:style>
+        <p:txBody>
+          <a:bodyPr rtlCol="0" anchor="ctr"/>
+          <a:lstStyle/>
+          <a:p>
+            <a:pPr algn="ctr"/>
+            <a:endParaRPr kumimoji="1" lang="ja-JP" altLang="en-US"/>
+          </a:p>
+        </p:txBody>
+      </p:sp>
+      <p:sp>
+        <p:nvSpPr>
+          <p:cNvPr id="56" name="楕円 55">
+            <a:extLst>
+              <a:ext uri="{FF2B5EF4-FFF2-40B4-BE49-F238E27FC236}">
+                <a16:creationId xmlns:a16="http://schemas.microsoft.com/office/drawing/2014/main" id="{717EF558-CDC8-4125-BF4E-5B07EC7EBD32}"/>
+              </a:ext>
+            </a:extLst>
+          </p:cNvPr>
+          <p:cNvSpPr/>
+          <p:nvPr/>
+        </p:nvSpPr>
+        <p:spPr>
+          <a:xfrm>
+            <a:off x="3128904" y="3259716"/>
+            <a:ext cx="485029" cy="629542"/>
+          </a:xfrm>
+          <a:prstGeom prst="ellipse">
+            <a:avLst/>
+          </a:prstGeom>
+          <a:solidFill>
+            <a:schemeClr val="accent2"/>
+          </a:solidFill>
+        </p:spPr>
+        <p:style>
+          <a:lnRef idx="2">
+            <a:schemeClr val="accent1">
+              <a:shade val="50000"/>
+            </a:schemeClr>
+          </a:lnRef>
+          <a:fillRef idx="1">
+            <a:schemeClr val="accent1"/>
+          </a:fillRef>
+          <a:effectRef idx="0">
+            <a:schemeClr val="accent1"/>
+          </a:effectRef>
+          <a:fontRef idx="minor">
+            <a:schemeClr val="lt1"/>
+          </a:fontRef>
+        </p:style>
+        <p:txBody>
+          <a:bodyPr rtlCol="0" anchor="ctr"/>
+          <a:lstStyle/>
+          <a:p>
+            <a:pPr algn="ctr"/>
+            <a:endParaRPr kumimoji="1" lang="ja-JP" altLang="en-US"/>
+          </a:p>
+        </p:txBody>
+      </p:sp>
+      <p:sp>
+        <p:nvSpPr>
+          <p:cNvPr id="57" name="楕円 56">
+            <a:extLst>
+              <a:ext uri="{FF2B5EF4-FFF2-40B4-BE49-F238E27FC236}">
+                <a16:creationId xmlns:a16="http://schemas.microsoft.com/office/drawing/2014/main" id="{AF21C56A-CA58-4B2F-9804-758B9D13179E}"/>
+              </a:ext>
+            </a:extLst>
+          </p:cNvPr>
+          <p:cNvSpPr/>
+          <p:nvPr/>
+        </p:nvSpPr>
+        <p:spPr>
+          <a:xfrm>
+            <a:off x="600664" y="4558945"/>
+            <a:ext cx="485029" cy="629542"/>
+          </a:xfrm>
+          <a:prstGeom prst="ellipse">
+            <a:avLst/>
+          </a:prstGeom>
+          <a:solidFill>
+            <a:schemeClr val="accent2"/>
+          </a:solidFill>
+        </p:spPr>
+        <p:style>
+          <a:lnRef idx="2">
+            <a:schemeClr val="accent1">
+              <a:shade val="50000"/>
+            </a:schemeClr>
+          </a:lnRef>
+          <a:fillRef idx="1">
+            <a:schemeClr val="accent1"/>
+          </a:fillRef>
+          <a:effectRef idx="0">
+            <a:schemeClr val="accent1"/>
+          </a:effectRef>
+          <a:fontRef idx="minor">
+            <a:schemeClr val="lt1"/>
+          </a:fontRef>
+        </p:style>
+        <p:txBody>
+          <a:bodyPr rtlCol="0" anchor="ctr"/>
+          <a:lstStyle/>
+          <a:p>
+            <a:pPr algn="ctr"/>
+            <a:endParaRPr kumimoji="1" lang="ja-JP" altLang="en-US"/>
+          </a:p>
+        </p:txBody>
+      </p:sp>
+      <p:sp>
+        <p:nvSpPr>
+          <p:cNvPr id="58" name="楕円 57">
+            <a:extLst>
+              <a:ext uri="{FF2B5EF4-FFF2-40B4-BE49-F238E27FC236}">
+                <a16:creationId xmlns:a16="http://schemas.microsoft.com/office/drawing/2014/main" id="{CC8AAD90-F2DA-4596-9304-C982A680CA26}"/>
+              </a:ext>
+            </a:extLst>
+          </p:cNvPr>
+          <p:cNvSpPr/>
+          <p:nvPr/>
+        </p:nvSpPr>
+        <p:spPr>
+          <a:xfrm>
+            <a:off x="2255798" y="2774887"/>
+            <a:ext cx="485029" cy="629542"/>
+          </a:xfrm>
+          <a:prstGeom prst="ellipse">
+            <a:avLst/>
+          </a:prstGeom>
+          <a:solidFill>
+            <a:schemeClr val="accent2"/>
+          </a:solidFill>
+        </p:spPr>
+        <p:style>
+          <a:lnRef idx="2">
+            <a:schemeClr val="accent1">
+              <a:shade val="50000"/>
+            </a:schemeClr>
+          </a:lnRef>
+          <a:fillRef idx="1">
+            <a:schemeClr val="accent1"/>
+          </a:fillRef>
+          <a:effectRef idx="0">
+            <a:schemeClr val="accent1"/>
+          </a:effectRef>
+          <a:fontRef idx="minor">
+            <a:schemeClr val="lt1"/>
+          </a:fontRef>
+        </p:style>
+        <p:txBody>
+          <a:bodyPr rtlCol="0" anchor="ctr"/>
+          <a:lstStyle/>
+          <a:p>
+            <a:pPr algn="ctr"/>
+            <a:endParaRPr kumimoji="1" lang="ja-JP" altLang="en-US"/>
+          </a:p>
+        </p:txBody>
+      </p:sp>
+      <p:sp>
+        <p:nvSpPr>
+          <p:cNvPr id="74" name="楕円 73">
+            <a:extLst>
+              <a:ext uri="{FF2B5EF4-FFF2-40B4-BE49-F238E27FC236}">
+                <a16:creationId xmlns:a16="http://schemas.microsoft.com/office/drawing/2014/main" id="{3CCFA62E-1074-4F75-B342-E25BE5535211}"/>
+              </a:ext>
+            </a:extLst>
+          </p:cNvPr>
+          <p:cNvSpPr/>
+          <p:nvPr/>
+        </p:nvSpPr>
+        <p:spPr>
+          <a:xfrm>
+            <a:off x="677202" y="1863056"/>
+            <a:ext cx="485029" cy="629542"/>
+          </a:xfrm>
+          <a:prstGeom prst="ellipse">
+            <a:avLst/>
+          </a:prstGeom>
+          <a:solidFill>
+            <a:schemeClr val="accent2"/>
+          </a:solidFill>
+        </p:spPr>
+        <p:style>
+          <a:lnRef idx="2">
+            <a:schemeClr val="accent1">
+              <a:shade val="50000"/>
+            </a:schemeClr>
+          </a:lnRef>
+          <a:fillRef idx="1">
+            <a:schemeClr val="accent1"/>
+          </a:fillRef>
+          <a:effectRef idx="0">
+            <a:schemeClr val="accent1"/>
+          </a:effectRef>
+          <a:fontRef idx="minor">
+            <a:schemeClr val="lt1"/>
+          </a:fontRef>
+        </p:style>
+        <p:txBody>
+          <a:bodyPr rtlCol="0" anchor="ctr"/>
+          <a:lstStyle/>
+          <a:p>
+            <a:pPr algn="ctr"/>
+            <a:endParaRPr kumimoji="1" lang="ja-JP" altLang="en-US"/>
+          </a:p>
+        </p:txBody>
+      </p:sp>
     </p:spTree>
     <p:extLst>
       <p:ext uri="{BB962C8B-B14F-4D97-AF65-F5344CB8AC3E}">
@@ -8294,6 +9671,55 @@
           </a:prstGeom>
         </p:spPr>
       </p:pic>
+      <p:sp>
+        <p:nvSpPr>
+          <p:cNvPr id="9" name="楕円 8">
+            <a:extLst>
+              <a:ext uri="{FF2B5EF4-FFF2-40B4-BE49-F238E27FC236}">
+                <a16:creationId xmlns:a16="http://schemas.microsoft.com/office/drawing/2014/main" id="{EA288BB1-24A0-4B6E-B600-1DA78AF6ACA0}"/>
+              </a:ext>
+            </a:extLst>
+          </p:cNvPr>
+          <p:cNvSpPr/>
+          <p:nvPr/>
+        </p:nvSpPr>
+        <p:spPr>
+          <a:xfrm>
+            <a:off x="3016825" y="2791428"/>
+            <a:ext cx="485029" cy="629542"/>
+          </a:xfrm>
+          <a:prstGeom prst="ellipse">
+            <a:avLst/>
+          </a:prstGeom>
+          <a:solidFill>
+            <a:schemeClr val="accent2"/>
+          </a:solidFill>
+        </p:spPr>
+        <p:style>
+          <a:lnRef idx="2">
+            <a:schemeClr val="accent1">
+              <a:shade val="50000"/>
+            </a:schemeClr>
+          </a:lnRef>
+          <a:fillRef idx="1">
+            <a:schemeClr val="accent1"/>
+          </a:fillRef>
+          <a:effectRef idx="0">
+            <a:schemeClr val="accent1"/>
+          </a:effectRef>
+          <a:fontRef idx="minor">
+            <a:schemeClr val="lt1"/>
+          </a:fontRef>
+        </p:style>
+        <p:txBody>
+          <a:bodyPr rtlCol="0" anchor="ctr"/>
+          <a:lstStyle/>
+          <a:p>
+            <a:pPr algn="ctr"/>
+            <a:endParaRPr kumimoji="1" lang="ja-JP" altLang="en-US"/>
+          </a:p>
+        </p:txBody>
+      </p:sp>
     </p:spTree>
     <p:extLst>
       <p:ext uri="{BB962C8B-B14F-4D97-AF65-F5344CB8AC3E}">
@@ -8642,14 +10068,6 @@
             <a:pPr lvl="1"/>
             <a:r>
               <a:rPr lang="ja-JP" altLang="en-US" dirty="0"/>
-              <a:t>親吸血鬼の人となり</a:t>
-            </a:r>
-            <a:endParaRPr lang="en-US" altLang="ja-JP" dirty="0"/>
-          </a:p>
-          <a:p>
-            <a:pPr lvl="1"/>
-            <a:r>
-              <a:rPr lang="ja-JP" altLang="en-US" dirty="0"/>
               <a:t>館の魔術</a:t>
             </a:r>
             <a:r>
@@ -8719,6 +10137,14 @@
             </a:r>
           </a:p>
           <a:p>
+            <a:pPr lvl="1"/>
+            <a:r>
+              <a:rPr lang="ja-JP" altLang="en-US" dirty="0"/>
+              <a:t>親吸血鬼の人となり</a:t>
+            </a:r>
+            <a:endParaRPr lang="en-US" altLang="ja-JP" dirty="0"/>
+          </a:p>
+          <a:p>
             <a:r>
               <a:rPr lang="ja-JP" altLang="en-US" dirty="0"/>
               <a:t>先人探索者の手記</a:t>
@@ -8747,7 +10173,7 @@
           <a:p>
             <a:pPr lvl="1"/>
             <a:r>
-              <a:rPr lang="ja-JP" altLang="en-US"/>
+              <a:rPr lang="ja-JP" altLang="en-US" dirty="0"/>
               <a:t>タイムリミット</a:t>
             </a:r>
             <a:endParaRPr lang="en-US" altLang="ja-JP" dirty="0"/>
